--- a/reports/Project Status 14.pptx
+++ b/reports/Project Status 14.pptx
@@ -5,11 +5,16 @@
     <p:sldMasterId id="2147483648" r:id="rId1"/>
   </p:sldMasterIdLst>
   <p:sldIdLst>
-    <p:sldId id="256" r:id="rId2"/>
-    <p:sldId id="257" r:id="rId3"/>
-    <p:sldId id="258" r:id="rId4"/>
-    <p:sldId id="259" r:id="rId5"/>
-    <p:sldId id="260" r:id="rId6"/>
+    <p:sldId id="265" r:id="rId2"/>
+    <p:sldId id="262" r:id="rId3"/>
+    <p:sldId id="263" r:id="rId4"/>
+    <p:sldId id="264" r:id="rId5"/>
+    <p:sldId id="267" r:id="rId6"/>
+    <p:sldId id="256" r:id="rId7"/>
+    <p:sldId id="257" r:id="rId8"/>
+    <p:sldId id="258" r:id="rId9"/>
+    <p:sldId id="259" r:id="rId10"/>
+    <p:sldId id="260" r:id="rId11"/>
   </p:sldIdLst>
   <p:sldSz cx="12192000" cy="6858000"/>
   <p:notesSz cx="6858000" cy="9144000"/>
@@ -108,7 +113,659 @@
       </a:defRPr>
     </a:lvl9pPr>
   </p:defaultTextStyle>
+  <p:extLst>
+    <p:ext uri="{EFAFB233-063F-42B5-8137-9DF3F51BA10A}">
+      <p15:sldGuideLst xmlns:p15="http://schemas.microsoft.com/office/powerpoint/2012/main"/>
+    </p:ext>
+  </p:extLst>
 </p:presentation>
+</file>
+
+<file path=ppt/revisionInfo.xml><?xml version="1.0" encoding="utf-8"?>
+<p1510:revInfo xmlns:a="http://schemas.openxmlformats.org/drawingml/2006/main" xmlns:r="http://schemas.openxmlformats.org/officeDocument/2006/relationships" xmlns:p1510="http://schemas.microsoft.com/office/powerpoint/2015/10/main">
+  <p1510:revLst>
+    <p1510:client id="{C0633932-831A-4460-A979-3270EB6D0A54}" v="66" dt="2018-11-03T16:12:48.403"/>
+  </p1510:revLst>
+</p1510:revInfo>
+</file>
+
+<file path=ppt/changesInfos/changesInfo1.xml><?xml version="1.0" encoding="utf-8"?>
+<pc:chgInfo xmlns:a="http://schemas.openxmlformats.org/drawingml/2006/main" xmlns:r="http://schemas.openxmlformats.org/officeDocument/2006/relationships" xmlns:ac="http://schemas.microsoft.com/office/drawing/2013/main/command" xmlns:pc="http://schemas.microsoft.com/office/powerpoint/2013/main/command">
+  <pc:docChgLst>
+    <pc:chgData name="Arunabh Ghosh" userId="7064b204c6fa9c53" providerId="LiveId" clId="{C0633932-831A-4460-A979-3270EB6D0A54}"/>
+    <pc:docChg chg="custSel addSld delSld modSld sldOrd">
+      <pc:chgData name="Arunabh Ghosh" userId="7064b204c6fa9c53" providerId="LiveId" clId="{C0633932-831A-4460-A979-3270EB6D0A54}" dt="2018-11-03T16:12:48.403" v="434"/>
+      <pc:docMkLst>
+        <pc:docMk/>
+      </pc:docMkLst>
+      <pc:sldChg chg="modSp">
+        <pc:chgData name="Arunabh Ghosh" userId="7064b204c6fa9c53" providerId="LiveId" clId="{C0633932-831A-4460-A979-3270EB6D0A54}" dt="2018-11-03T16:08:46.348" v="433" actId="1036"/>
+        <pc:sldMkLst>
+          <pc:docMk/>
+          <pc:sldMk cId="979153401" sldId="256"/>
+        </pc:sldMkLst>
+        <pc:graphicFrameChg chg="mod">
+          <ac:chgData name="Arunabh Ghosh" userId="7064b204c6fa9c53" providerId="LiveId" clId="{C0633932-831A-4460-A979-3270EB6D0A54}" dt="2018-11-03T16:04:52.756" v="431"/>
+          <ac:graphicFrameMkLst>
+            <pc:docMk/>
+            <pc:sldMk cId="979153401" sldId="256"/>
+            <ac:graphicFrameMk id="6" creationId="{8958831F-CE45-4E88-A37F-0E3CBF386B29}"/>
+          </ac:graphicFrameMkLst>
+        </pc:graphicFrameChg>
+        <pc:graphicFrameChg chg="mod">
+          <ac:chgData name="Arunabh Ghosh" userId="7064b204c6fa9c53" providerId="LiveId" clId="{C0633932-831A-4460-A979-3270EB6D0A54}" dt="2018-11-03T16:08:46.348" v="433" actId="1036"/>
+          <ac:graphicFrameMkLst>
+            <pc:docMk/>
+            <pc:sldMk cId="979153401" sldId="256"/>
+            <ac:graphicFrameMk id="7" creationId="{C0F1F54B-D8BD-4F02-ADBA-9B1106F6EC66}"/>
+          </ac:graphicFrameMkLst>
+        </pc:graphicFrameChg>
+      </pc:sldChg>
+      <pc:sldChg chg="modSp">
+        <pc:chgData name="Arunabh Ghosh" userId="7064b204c6fa9c53" providerId="LiveId" clId="{C0633932-831A-4460-A979-3270EB6D0A54}" dt="2018-11-03T16:12:48.403" v="434"/>
+        <pc:sldMkLst>
+          <pc:docMk/>
+          <pc:sldMk cId="1187716489" sldId="258"/>
+        </pc:sldMkLst>
+        <pc:graphicFrameChg chg="mod">
+          <ac:chgData name="Arunabh Ghosh" userId="7064b204c6fa9c53" providerId="LiveId" clId="{C0633932-831A-4460-A979-3270EB6D0A54}" dt="2018-11-03T16:12:48.403" v="434"/>
+          <ac:graphicFrameMkLst>
+            <pc:docMk/>
+            <pc:sldMk cId="1187716489" sldId="258"/>
+            <ac:graphicFrameMk id="8" creationId="{0ACFB63D-1AD6-42B3-80F6-197800960BB7}"/>
+          </ac:graphicFrameMkLst>
+        </pc:graphicFrameChg>
+        <pc:graphicFrameChg chg="mod">
+          <ac:chgData name="Arunabh Ghosh" userId="7064b204c6fa9c53" providerId="LiveId" clId="{C0633932-831A-4460-A979-3270EB6D0A54}" dt="2018-10-30T05:33:13.016" v="429"/>
+          <ac:graphicFrameMkLst>
+            <pc:docMk/>
+            <pc:sldMk cId="1187716489" sldId="258"/>
+            <ac:graphicFrameMk id="9" creationId="{5BF09AC6-B86D-438F-9A65-E5B6F8E5D906}"/>
+          </ac:graphicFrameMkLst>
+        </pc:graphicFrameChg>
+      </pc:sldChg>
+      <pc:sldChg chg="addSp modSp add">
+        <pc:chgData name="Arunabh Ghosh" userId="7064b204c6fa9c53" providerId="LiveId" clId="{C0633932-831A-4460-A979-3270EB6D0A54}" dt="2018-10-30T05:11:47.110" v="298" actId="20577"/>
+        <pc:sldMkLst>
+          <pc:docMk/>
+          <pc:sldMk cId="1400225823" sldId="262"/>
+        </pc:sldMkLst>
+        <pc:spChg chg="mod">
+          <ac:chgData name="Arunabh Ghosh" userId="7064b204c6fa9c53" providerId="LiveId" clId="{C0633932-831A-4460-A979-3270EB6D0A54}" dt="2018-10-30T02:35:49.798" v="71"/>
+          <ac:spMkLst>
+            <pc:docMk/>
+            <pc:sldMk cId="1400225823" sldId="262"/>
+            <ac:spMk id="2" creationId="{CDF5AA99-67ED-4F01-B2FA-F4D2D388F984}"/>
+          </ac:spMkLst>
+        </pc:spChg>
+        <pc:spChg chg="mod">
+          <ac:chgData name="Arunabh Ghosh" userId="7064b204c6fa9c53" providerId="LiveId" clId="{C0633932-831A-4460-A979-3270EB6D0A54}" dt="2018-10-30T02:36:25.793" v="142" actId="20577"/>
+          <ac:spMkLst>
+            <pc:docMk/>
+            <pc:sldMk cId="1400225823" sldId="262"/>
+            <ac:spMk id="3" creationId="{9F11E205-D83C-4BCF-B272-79F9B52FF44D}"/>
+          </ac:spMkLst>
+        </pc:spChg>
+        <pc:spChg chg="add mod">
+          <ac:chgData name="Arunabh Ghosh" userId="7064b204c6fa9c53" providerId="LiveId" clId="{C0633932-831A-4460-A979-3270EB6D0A54}" dt="2018-10-30T05:10:08.600" v="270" actId="20577"/>
+          <ac:spMkLst>
+            <pc:docMk/>
+            <pc:sldMk cId="1400225823" sldId="262"/>
+            <ac:spMk id="10" creationId="{743C588E-896D-4955-85E2-7BF77E2C34E2}"/>
+          </ac:spMkLst>
+        </pc:spChg>
+        <pc:spChg chg="add mod">
+          <ac:chgData name="Arunabh Ghosh" userId="7064b204c6fa9c53" providerId="LiveId" clId="{C0633932-831A-4460-A979-3270EB6D0A54}" dt="2018-10-30T05:10:55.791" v="282" actId="20577"/>
+          <ac:spMkLst>
+            <pc:docMk/>
+            <pc:sldMk cId="1400225823" sldId="262"/>
+            <ac:spMk id="11" creationId="{A8C209CA-D928-40D2-9710-699269398305}"/>
+          </ac:spMkLst>
+        </pc:spChg>
+        <pc:spChg chg="add mod">
+          <ac:chgData name="Arunabh Ghosh" userId="7064b204c6fa9c53" providerId="LiveId" clId="{C0633932-831A-4460-A979-3270EB6D0A54}" dt="2018-10-30T05:11:47.110" v="298" actId="20577"/>
+          <ac:spMkLst>
+            <pc:docMk/>
+            <pc:sldMk cId="1400225823" sldId="262"/>
+            <ac:spMk id="12" creationId="{D45D28C9-9B11-4ED1-ABE5-07BE35A8B92C}"/>
+          </ac:spMkLst>
+        </pc:spChg>
+        <pc:picChg chg="add mod">
+          <ac:chgData name="Arunabh Ghosh" userId="7064b204c6fa9c53" providerId="LiveId" clId="{C0633932-831A-4460-A979-3270EB6D0A54}" dt="2018-10-30T02:36:56.557" v="145" actId="1076"/>
+          <ac:picMkLst>
+            <pc:docMk/>
+            <pc:sldMk cId="1400225823" sldId="262"/>
+            <ac:picMk id="4" creationId="{6CE98728-0D38-4CCD-98DB-AC254C167306}"/>
+          </ac:picMkLst>
+        </pc:picChg>
+        <pc:picChg chg="add mod">
+          <ac:chgData name="Arunabh Ghosh" userId="7064b204c6fa9c53" providerId="LiveId" clId="{C0633932-831A-4460-A979-3270EB6D0A54}" dt="2018-10-30T02:36:56.557" v="145" actId="1076"/>
+          <ac:picMkLst>
+            <pc:docMk/>
+            <pc:sldMk cId="1400225823" sldId="262"/>
+            <ac:picMk id="5" creationId="{88C1C477-2F1A-458C-9F1B-369E2D6C735B}"/>
+          </ac:picMkLst>
+        </pc:picChg>
+        <pc:picChg chg="add mod">
+          <ac:chgData name="Arunabh Ghosh" userId="7064b204c6fa9c53" providerId="LiveId" clId="{C0633932-831A-4460-A979-3270EB6D0A54}" dt="2018-10-30T02:36:56.557" v="145" actId="1076"/>
+          <ac:picMkLst>
+            <pc:docMk/>
+            <pc:sldMk cId="1400225823" sldId="262"/>
+            <ac:picMk id="6" creationId="{29A054A8-7152-488E-89DA-43AE296C5C5E}"/>
+          </ac:picMkLst>
+        </pc:picChg>
+        <pc:picChg chg="add mod">
+          <ac:chgData name="Arunabh Ghosh" userId="7064b204c6fa9c53" providerId="LiveId" clId="{C0633932-831A-4460-A979-3270EB6D0A54}" dt="2018-10-30T02:36:56.557" v="145" actId="1076"/>
+          <ac:picMkLst>
+            <pc:docMk/>
+            <pc:sldMk cId="1400225823" sldId="262"/>
+            <ac:picMk id="7" creationId="{DC653732-2945-4AA7-9DA8-4B323B35BEDD}"/>
+          </ac:picMkLst>
+        </pc:picChg>
+        <pc:picChg chg="add mod">
+          <ac:chgData name="Arunabh Ghosh" userId="7064b204c6fa9c53" providerId="LiveId" clId="{C0633932-831A-4460-A979-3270EB6D0A54}" dt="2018-10-30T02:36:56.557" v="145" actId="1076"/>
+          <ac:picMkLst>
+            <pc:docMk/>
+            <pc:sldMk cId="1400225823" sldId="262"/>
+            <ac:picMk id="8" creationId="{0E6C2B75-90E9-41F7-ABEC-099AB12A6223}"/>
+          </ac:picMkLst>
+        </pc:picChg>
+        <pc:picChg chg="add mod">
+          <ac:chgData name="Arunabh Ghosh" userId="7064b204c6fa9c53" providerId="LiveId" clId="{C0633932-831A-4460-A979-3270EB6D0A54}" dt="2018-10-30T02:36:56.557" v="145" actId="1076"/>
+          <ac:picMkLst>
+            <pc:docMk/>
+            <pc:sldMk cId="1400225823" sldId="262"/>
+            <ac:picMk id="9" creationId="{682ED9ED-62F5-42F2-B272-ECE420B1F667}"/>
+          </ac:picMkLst>
+        </pc:picChg>
+      </pc:sldChg>
+      <pc:sldChg chg="addSp delSp modSp add">
+        <pc:chgData name="Arunabh Ghosh" userId="7064b204c6fa9c53" providerId="LiveId" clId="{C0633932-831A-4460-A979-3270EB6D0A54}" dt="2018-10-30T05:27:32.073" v="428" actId="20577"/>
+        <pc:sldMkLst>
+          <pc:docMk/>
+          <pc:sldMk cId="1378007590" sldId="263"/>
+        </pc:sldMkLst>
+        <pc:spChg chg="mod">
+          <ac:chgData name="Arunabh Ghosh" userId="7064b204c6fa9c53" providerId="LiveId" clId="{C0633932-831A-4460-A979-3270EB6D0A54}" dt="2018-10-30T02:37:54.839" v="157" actId="20577"/>
+          <ac:spMkLst>
+            <pc:docMk/>
+            <pc:sldMk cId="1378007590" sldId="263"/>
+            <ac:spMk id="3" creationId="{9F11E205-D83C-4BCF-B272-79F9B52FF44D}"/>
+          </ac:spMkLst>
+        </pc:spChg>
+        <pc:spChg chg="add del mod">
+          <ac:chgData name="Arunabh Ghosh" userId="7064b204c6fa9c53" providerId="LiveId" clId="{C0633932-831A-4460-A979-3270EB6D0A54}" dt="2018-10-30T05:24:05.196" v="391" actId="478"/>
+          <ac:spMkLst>
+            <pc:docMk/>
+            <pc:sldMk cId="1378007590" sldId="263"/>
+            <ac:spMk id="22" creationId="{E8F17851-8EEB-4481-9C56-C5495C60850C}"/>
+          </ac:spMkLst>
+        </pc:spChg>
+        <pc:spChg chg="add mod">
+          <ac:chgData name="Arunabh Ghosh" userId="7064b204c6fa9c53" providerId="LiveId" clId="{C0633932-831A-4460-A979-3270EB6D0A54}" dt="2018-10-30T05:24:20.860" v="395" actId="20577"/>
+          <ac:spMkLst>
+            <pc:docMk/>
+            <pc:sldMk cId="1378007590" sldId="263"/>
+            <ac:spMk id="23" creationId="{659830D2-2147-423C-BF6E-5272C7121107}"/>
+          </ac:spMkLst>
+        </pc:spChg>
+        <pc:spChg chg="add mod">
+          <ac:chgData name="Arunabh Ghosh" userId="7064b204c6fa9c53" providerId="LiveId" clId="{C0633932-831A-4460-A979-3270EB6D0A54}" dt="2018-10-30T05:26:50.433" v="414" actId="20577"/>
+          <ac:spMkLst>
+            <pc:docMk/>
+            <pc:sldMk cId="1378007590" sldId="263"/>
+            <ac:spMk id="24" creationId="{1A143307-D3D5-477C-80D1-779B842CA795}"/>
+          </ac:spMkLst>
+        </pc:spChg>
+        <pc:spChg chg="add mod">
+          <ac:chgData name="Arunabh Ghosh" userId="7064b204c6fa9c53" providerId="LiveId" clId="{C0633932-831A-4460-A979-3270EB6D0A54}" dt="2018-10-30T05:27:32.073" v="428" actId="20577"/>
+          <ac:spMkLst>
+            <pc:docMk/>
+            <pc:sldMk cId="1378007590" sldId="263"/>
+            <ac:spMk id="25" creationId="{01DA81A6-942A-49CF-84E5-4734B7604A19}"/>
+          </ac:spMkLst>
+        </pc:spChg>
+        <pc:picChg chg="del">
+          <ac:chgData name="Arunabh Ghosh" userId="7064b204c6fa9c53" providerId="LiveId" clId="{C0633932-831A-4460-A979-3270EB6D0A54}" dt="2018-10-30T02:38:41.234" v="159" actId="478"/>
+          <ac:picMkLst>
+            <pc:docMk/>
+            <pc:sldMk cId="1378007590" sldId="263"/>
+            <ac:picMk id="4" creationId="{6CE98728-0D38-4CCD-98DB-AC254C167306}"/>
+          </ac:picMkLst>
+        </pc:picChg>
+        <pc:picChg chg="del">
+          <ac:chgData name="Arunabh Ghosh" userId="7064b204c6fa9c53" providerId="LiveId" clId="{C0633932-831A-4460-A979-3270EB6D0A54}" dt="2018-10-30T02:38:41.234" v="159" actId="478"/>
+          <ac:picMkLst>
+            <pc:docMk/>
+            <pc:sldMk cId="1378007590" sldId="263"/>
+            <ac:picMk id="5" creationId="{88C1C477-2F1A-458C-9F1B-369E2D6C735B}"/>
+          </ac:picMkLst>
+        </pc:picChg>
+        <pc:picChg chg="del">
+          <ac:chgData name="Arunabh Ghosh" userId="7064b204c6fa9c53" providerId="LiveId" clId="{C0633932-831A-4460-A979-3270EB6D0A54}" dt="2018-10-30T02:38:34.522" v="158" actId="478"/>
+          <ac:picMkLst>
+            <pc:docMk/>
+            <pc:sldMk cId="1378007590" sldId="263"/>
+            <ac:picMk id="6" creationId="{29A054A8-7152-488E-89DA-43AE296C5C5E}"/>
+          </ac:picMkLst>
+        </pc:picChg>
+        <pc:picChg chg="del">
+          <ac:chgData name="Arunabh Ghosh" userId="7064b204c6fa9c53" providerId="LiveId" clId="{C0633932-831A-4460-A979-3270EB6D0A54}" dt="2018-10-30T02:38:34.522" v="158" actId="478"/>
+          <ac:picMkLst>
+            <pc:docMk/>
+            <pc:sldMk cId="1378007590" sldId="263"/>
+            <ac:picMk id="7" creationId="{DC653732-2945-4AA7-9DA8-4B323B35BEDD}"/>
+          </ac:picMkLst>
+        </pc:picChg>
+        <pc:picChg chg="del">
+          <ac:chgData name="Arunabh Ghosh" userId="7064b204c6fa9c53" providerId="LiveId" clId="{C0633932-831A-4460-A979-3270EB6D0A54}" dt="2018-10-30T02:38:34.522" v="158" actId="478"/>
+          <ac:picMkLst>
+            <pc:docMk/>
+            <pc:sldMk cId="1378007590" sldId="263"/>
+            <ac:picMk id="8" creationId="{0E6C2B75-90E9-41F7-ABEC-099AB12A6223}"/>
+          </ac:picMkLst>
+        </pc:picChg>
+        <pc:picChg chg="del">
+          <ac:chgData name="Arunabh Ghosh" userId="7064b204c6fa9c53" providerId="LiveId" clId="{C0633932-831A-4460-A979-3270EB6D0A54}" dt="2018-10-30T02:38:34.522" v="158" actId="478"/>
+          <ac:picMkLst>
+            <pc:docMk/>
+            <pc:sldMk cId="1378007590" sldId="263"/>
+            <ac:picMk id="9" creationId="{682ED9ED-62F5-42F2-B272-ECE420B1F667}"/>
+          </ac:picMkLst>
+        </pc:picChg>
+        <pc:picChg chg="add mod">
+          <ac:chgData name="Arunabh Ghosh" userId="7064b204c6fa9c53" providerId="LiveId" clId="{C0633932-831A-4460-A979-3270EB6D0A54}" dt="2018-10-30T05:12:24.721" v="303" actId="1076"/>
+          <ac:picMkLst>
+            <pc:docMk/>
+            <pc:sldMk cId="1378007590" sldId="263"/>
+            <ac:picMk id="11" creationId="{09DBE4A7-B2B3-44B5-BA4B-134FF0BF507E}"/>
+          </ac:picMkLst>
+        </pc:picChg>
+        <pc:picChg chg="add mod">
+          <ac:chgData name="Arunabh Ghosh" userId="7064b204c6fa9c53" providerId="LiveId" clId="{C0633932-831A-4460-A979-3270EB6D0A54}" dt="2018-10-30T05:12:21.247" v="302" actId="1076"/>
+          <ac:picMkLst>
+            <pc:docMk/>
+            <pc:sldMk cId="1378007590" sldId="263"/>
+            <ac:picMk id="13" creationId="{017609F1-DB8F-4A14-9BC6-47DC6DD81216}"/>
+          </ac:picMkLst>
+        </pc:picChg>
+        <pc:picChg chg="add mod">
+          <ac:chgData name="Arunabh Ghosh" userId="7064b204c6fa9c53" providerId="LiveId" clId="{C0633932-831A-4460-A979-3270EB6D0A54}" dt="2018-10-30T05:13:02.447" v="314" actId="1076"/>
+          <ac:picMkLst>
+            <pc:docMk/>
+            <pc:sldMk cId="1378007590" sldId="263"/>
+            <ac:picMk id="15" creationId="{1B95AE4F-11FE-4F80-A180-80454D2C16B5}"/>
+          </ac:picMkLst>
+        </pc:picChg>
+        <pc:picChg chg="add mod">
+          <ac:chgData name="Arunabh Ghosh" userId="7064b204c6fa9c53" providerId="LiveId" clId="{C0633932-831A-4460-A979-3270EB6D0A54}" dt="2018-10-30T05:13:10.964" v="316" actId="1076"/>
+          <ac:picMkLst>
+            <pc:docMk/>
+            <pc:sldMk cId="1378007590" sldId="263"/>
+            <ac:picMk id="17" creationId="{141996FB-7921-4BC3-AA15-1A246F7FDE0E}"/>
+          </ac:picMkLst>
+        </pc:picChg>
+        <pc:picChg chg="add mod">
+          <ac:chgData name="Arunabh Ghosh" userId="7064b204c6fa9c53" providerId="LiveId" clId="{C0633932-831A-4460-A979-3270EB6D0A54}" dt="2018-10-30T05:24:47.174" v="400" actId="1076"/>
+          <ac:picMkLst>
+            <pc:docMk/>
+            <pc:sldMk cId="1378007590" sldId="263"/>
+            <ac:picMk id="19" creationId="{CC5E5BA7-CD55-431E-924F-AE44C706A7BC}"/>
+          </ac:picMkLst>
+        </pc:picChg>
+        <pc:picChg chg="add mod">
+          <ac:chgData name="Arunabh Ghosh" userId="7064b204c6fa9c53" providerId="LiveId" clId="{C0633932-831A-4460-A979-3270EB6D0A54}" dt="2018-10-30T05:24:44.555" v="399" actId="1076"/>
+          <ac:picMkLst>
+            <pc:docMk/>
+            <pc:sldMk cId="1378007590" sldId="263"/>
+            <ac:picMk id="21" creationId="{20B89592-57F9-491E-A8F1-A561F38DF031}"/>
+          </ac:picMkLst>
+        </pc:picChg>
+      </pc:sldChg>
+      <pc:sldChg chg="addSp delSp modSp add">
+        <pc:chgData name="Arunabh Ghosh" userId="7064b204c6fa9c53" providerId="LiveId" clId="{C0633932-831A-4460-A979-3270EB6D0A54}" dt="2018-10-30T05:15:17.924" v="345" actId="1076"/>
+        <pc:sldMkLst>
+          <pc:docMk/>
+          <pc:sldMk cId="3662642524" sldId="264"/>
+        </pc:sldMkLst>
+        <pc:spChg chg="mod">
+          <ac:chgData name="Arunabh Ghosh" userId="7064b204c6fa9c53" providerId="LiveId" clId="{C0633932-831A-4460-A979-3270EB6D0A54}" dt="2018-10-30T02:41:39.843" v="211" actId="20577"/>
+          <ac:spMkLst>
+            <pc:docMk/>
+            <pc:sldMk cId="3662642524" sldId="264"/>
+            <ac:spMk id="3" creationId="{9F11E205-D83C-4BCF-B272-79F9B52FF44D}"/>
+          </ac:spMkLst>
+        </pc:spChg>
+        <pc:picChg chg="add mod">
+          <ac:chgData name="Arunabh Ghosh" userId="7064b204c6fa9c53" providerId="LiveId" clId="{C0633932-831A-4460-A979-3270EB6D0A54}" dt="2018-10-30T05:14:27.085" v="326" actId="1076"/>
+          <ac:picMkLst>
+            <pc:docMk/>
+            <pc:sldMk cId="3662642524" sldId="264"/>
+            <ac:picMk id="5" creationId="{1CAA4890-4E49-403A-82F7-8077A46322AB}"/>
+          </ac:picMkLst>
+        </pc:picChg>
+        <pc:picChg chg="add mod">
+          <ac:chgData name="Arunabh Ghosh" userId="7064b204c6fa9c53" providerId="LiveId" clId="{C0633932-831A-4460-A979-3270EB6D0A54}" dt="2018-10-30T05:14:23.569" v="325" actId="1076"/>
+          <ac:picMkLst>
+            <pc:docMk/>
+            <pc:sldMk cId="3662642524" sldId="264"/>
+            <ac:picMk id="7" creationId="{4956A550-FE75-4F48-A77C-0ED7D06B5049}"/>
+          </ac:picMkLst>
+        </pc:picChg>
+        <pc:picChg chg="add mod">
+          <ac:chgData name="Arunabh Ghosh" userId="7064b204c6fa9c53" providerId="LiveId" clId="{C0633932-831A-4460-A979-3270EB6D0A54}" dt="2018-10-30T05:14:29.603" v="327" actId="1076"/>
+          <ac:picMkLst>
+            <pc:docMk/>
+            <pc:sldMk cId="3662642524" sldId="264"/>
+            <ac:picMk id="9" creationId="{F2C30DF4-BF36-4451-BBAF-D6FC5FB8E212}"/>
+          </ac:picMkLst>
+        </pc:picChg>
+        <pc:picChg chg="del">
+          <ac:chgData name="Arunabh Ghosh" userId="7064b204c6fa9c53" providerId="LiveId" clId="{C0633932-831A-4460-A979-3270EB6D0A54}" dt="2018-10-30T05:13:59.386" v="319" actId="478"/>
+          <ac:picMkLst>
+            <pc:docMk/>
+            <pc:sldMk cId="3662642524" sldId="264"/>
+            <ac:picMk id="11" creationId="{09DBE4A7-B2B3-44B5-BA4B-134FF0BF507E}"/>
+          </ac:picMkLst>
+        </pc:picChg>
+        <pc:picChg chg="add mod">
+          <ac:chgData name="Arunabh Ghosh" userId="7064b204c6fa9c53" providerId="LiveId" clId="{C0633932-831A-4460-A979-3270EB6D0A54}" dt="2018-10-30T05:14:50.662" v="335" actId="1076"/>
+          <ac:picMkLst>
+            <pc:docMk/>
+            <pc:sldMk cId="3662642524" sldId="264"/>
+            <ac:picMk id="12" creationId="{F9ADD3B9-BFD8-4C1F-942F-3B4AA5740974}"/>
+          </ac:picMkLst>
+        </pc:picChg>
+        <pc:picChg chg="del">
+          <ac:chgData name="Arunabh Ghosh" userId="7064b204c6fa9c53" providerId="LiveId" clId="{C0633932-831A-4460-A979-3270EB6D0A54}" dt="2018-10-30T05:13:59.386" v="319" actId="478"/>
+          <ac:picMkLst>
+            <pc:docMk/>
+            <pc:sldMk cId="3662642524" sldId="264"/>
+            <ac:picMk id="13" creationId="{017609F1-DB8F-4A14-9BC6-47DC6DD81216}"/>
+          </ac:picMkLst>
+        </pc:picChg>
+        <pc:picChg chg="del">
+          <ac:chgData name="Arunabh Ghosh" userId="7064b204c6fa9c53" providerId="LiveId" clId="{C0633932-831A-4460-A979-3270EB6D0A54}" dt="2018-10-30T05:13:59.386" v="319" actId="478"/>
+          <ac:picMkLst>
+            <pc:docMk/>
+            <pc:sldMk cId="3662642524" sldId="264"/>
+            <ac:picMk id="15" creationId="{1B95AE4F-11FE-4F80-A180-80454D2C16B5}"/>
+          </ac:picMkLst>
+        </pc:picChg>
+        <pc:picChg chg="add mod">
+          <ac:chgData name="Arunabh Ghosh" userId="7064b204c6fa9c53" providerId="LiveId" clId="{C0633932-831A-4460-A979-3270EB6D0A54}" dt="2018-10-30T05:14:47.278" v="334" actId="1076"/>
+          <ac:picMkLst>
+            <pc:docMk/>
+            <pc:sldMk cId="3662642524" sldId="264"/>
+            <ac:picMk id="16" creationId="{4DDC9B77-E6C9-4503-AA0A-842FE048CE58}"/>
+          </ac:picMkLst>
+        </pc:picChg>
+        <pc:picChg chg="del">
+          <ac:chgData name="Arunabh Ghosh" userId="7064b204c6fa9c53" providerId="LiveId" clId="{C0633932-831A-4460-A979-3270EB6D0A54}" dt="2018-10-30T05:13:59.386" v="319" actId="478"/>
+          <ac:picMkLst>
+            <pc:docMk/>
+            <pc:sldMk cId="3662642524" sldId="264"/>
+            <ac:picMk id="17" creationId="{141996FB-7921-4BC3-AA15-1A246F7FDE0E}"/>
+          </ac:picMkLst>
+        </pc:picChg>
+        <pc:picChg chg="del">
+          <ac:chgData name="Arunabh Ghosh" userId="7064b204c6fa9c53" providerId="LiveId" clId="{C0633932-831A-4460-A979-3270EB6D0A54}" dt="2018-10-30T05:13:59.386" v="319" actId="478"/>
+          <ac:picMkLst>
+            <pc:docMk/>
+            <pc:sldMk cId="3662642524" sldId="264"/>
+            <ac:picMk id="19" creationId="{CC5E5BA7-CD55-431E-924F-AE44C706A7BC}"/>
+          </ac:picMkLst>
+        </pc:picChg>
+        <pc:picChg chg="add mod">
+          <ac:chgData name="Arunabh Ghosh" userId="7064b204c6fa9c53" providerId="LiveId" clId="{C0633932-831A-4460-A979-3270EB6D0A54}" dt="2018-10-30T05:14:44.318" v="333" actId="1076"/>
+          <ac:picMkLst>
+            <pc:docMk/>
+            <pc:sldMk cId="3662642524" sldId="264"/>
+            <ac:picMk id="20" creationId="{DBB72029-CA24-4E4E-B4A9-D96B415F0E8B}"/>
+          </ac:picMkLst>
+        </pc:picChg>
+        <pc:picChg chg="del">
+          <ac:chgData name="Arunabh Ghosh" userId="7064b204c6fa9c53" providerId="LiveId" clId="{C0633932-831A-4460-A979-3270EB6D0A54}" dt="2018-10-30T05:13:59.386" v="319" actId="478"/>
+          <ac:picMkLst>
+            <pc:docMk/>
+            <pc:sldMk cId="3662642524" sldId="264"/>
+            <ac:picMk id="21" creationId="{20B89592-57F9-491E-A8F1-A561F38DF031}"/>
+          </ac:picMkLst>
+        </pc:picChg>
+        <pc:picChg chg="add mod">
+          <ac:chgData name="Arunabh Ghosh" userId="7064b204c6fa9c53" providerId="LiveId" clId="{C0633932-831A-4460-A979-3270EB6D0A54}" dt="2018-10-30T05:15:17.924" v="345" actId="1076"/>
+          <ac:picMkLst>
+            <pc:docMk/>
+            <pc:sldMk cId="3662642524" sldId="264"/>
+            <ac:picMk id="23" creationId="{132D752B-F3E6-4EF6-B2BB-CED02BA00D92}"/>
+          </ac:picMkLst>
+        </pc:picChg>
+        <pc:picChg chg="add mod">
+          <ac:chgData name="Arunabh Ghosh" userId="7064b204c6fa9c53" providerId="LiveId" clId="{C0633932-831A-4460-A979-3270EB6D0A54}" dt="2018-10-30T05:15:15.148" v="344" actId="1076"/>
+          <ac:picMkLst>
+            <pc:docMk/>
+            <pc:sldMk cId="3662642524" sldId="264"/>
+            <ac:picMk id="25" creationId="{83D847AB-9A5D-415F-897C-81B55AAC8C6F}"/>
+          </ac:picMkLst>
+        </pc:picChg>
+        <pc:picChg chg="add mod">
+          <ac:chgData name="Arunabh Ghosh" userId="7064b204c6fa9c53" providerId="LiveId" clId="{C0633932-831A-4460-A979-3270EB6D0A54}" dt="2018-10-30T05:15:10.637" v="343" actId="1076"/>
+          <ac:picMkLst>
+            <pc:docMk/>
+            <pc:sldMk cId="3662642524" sldId="264"/>
+            <ac:picMk id="27" creationId="{002AC44C-6FC0-4CD0-974D-B8C7DC8D45CC}"/>
+          </ac:picMkLst>
+        </pc:picChg>
+      </pc:sldChg>
+      <pc:sldChg chg="addSp delSp modSp add ord">
+        <pc:chgData name="Arunabh Ghosh" userId="7064b204c6fa9c53" providerId="LiveId" clId="{C0633932-831A-4460-A979-3270EB6D0A54}" dt="2018-10-30T05:06:14.941" v="234" actId="1076"/>
+        <pc:sldMkLst>
+          <pc:docMk/>
+          <pc:sldMk cId="203063340" sldId="265"/>
+        </pc:sldMkLst>
+        <pc:spChg chg="mod">
+          <ac:chgData name="Arunabh Ghosh" userId="7064b204c6fa9c53" providerId="LiveId" clId="{C0633932-831A-4460-A979-3270EB6D0A54}" dt="2018-10-30T05:05:41.869" v="229" actId="20577"/>
+          <ac:spMkLst>
+            <pc:docMk/>
+            <pc:sldMk cId="203063340" sldId="265"/>
+            <ac:spMk id="2" creationId="{0FAAA613-C133-4989-9CEE-94F00B23F1C2}"/>
+          </ac:spMkLst>
+        </pc:spChg>
+        <pc:spChg chg="del">
+          <ac:chgData name="Arunabh Ghosh" userId="7064b204c6fa9c53" providerId="LiveId" clId="{C0633932-831A-4460-A979-3270EB6D0A54}" dt="2018-10-30T05:06:04.871" v="230"/>
+          <ac:spMkLst>
+            <pc:docMk/>
+            <pc:sldMk cId="203063340" sldId="265"/>
+            <ac:spMk id="3" creationId="{EE2DF5DD-4073-4E86-B914-9FCBF7A8C72A}"/>
+          </ac:spMkLst>
+        </pc:spChg>
+        <pc:picChg chg="add mod">
+          <ac:chgData name="Arunabh Ghosh" userId="7064b204c6fa9c53" providerId="LiveId" clId="{C0633932-831A-4460-A979-3270EB6D0A54}" dt="2018-10-30T05:06:12.235" v="233" actId="1076"/>
+          <ac:picMkLst>
+            <pc:docMk/>
+            <pc:sldMk cId="203063340" sldId="265"/>
+            <ac:picMk id="5" creationId="{52482776-88AC-4236-9A7B-0B51DF1984B1}"/>
+          </ac:picMkLst>
+        </pc:picChg>
+        <pc:picChg chg="add mod">
+          <ac:chgData name="Arunabh Ghosh" userId="7064b204c6fa9c53" providerId="LiveId" clId="{C0633932-831A-4460-A979-3270EB6D0A54}" dt="2018-10-30T05:06:14.941" v="234" actId="1076"/>
+          <ac:picMkLst>
+            <pc:docMk/>
+            <pc:sldMk cId="203063340" sldId="265"/>
+            <ac:picMk id="7" creationId="{BC7E5A49-549A-466E-9C9B-98D30FC95CBD}"/>
+          </ac:picMkLst>
+        </pc:picChg>
+        <pc:picChg chg="add mod">
+          <ac:chgData name="Arunabh Ghosh" userId="7064b204c6fa9c53" providerId="LiveId" clId="{C0633932-831A-4460-A979-3270EB6D0A54}" dt="2018-10-30T05:06:06.806" v="231" actId="1076"/>
+          <ac:picMkLst>
+            <pc:docMk/>
+            <pc:sldMk cId="203063340" sldId="265"/>
+            <ac:picMk id="9" creationId="{1021F81D-8D3E-4157-868A-3F2401892F8C}"/>
+          </ac:picMkLst>
+        </pc:picChg>
+      </pc:sldChg>
+      <pc:sldChg chg="addSp delSp modSp add">
+        <pc:chgData name="Arunabh Ghosh" userId="7064b204c6fa9c53" providerId="LiveId" clId="{C0633932-831A-4460-A979-3270EB6D0A54}" dt="2018-10-30T05:18:02.539" v="390" actId="1076"/>
+        <pc:sldMkLst>
+          <pc:docMk/>
+          <pc:sldMk cId="591534150" sldId="267"/>
+        </pc:sldMkLst>
+        <pc:spChg chg="mod">
+          <ac:chgData name="Arunabh Ghosh" userId="7064b204c6fa9c53" providerId="LiveId" clId="{C0633932-831A-4460-A979-3270EB6D0A54}" dt="2018-10-30T05:16:33.981" v="359" actId="20577"/>
+          <ac:spMkLst>
+            <pc:docMk/>
+            <pc:sldMk cId="591534150" sldId="267"/>
+            <ac:spMk id="3" creationId="{9F11E205-D83C-4BCF-B272-79F9B52FF44D}"/>
+          </ac:spMkLst>
+        </pc:spChg>
+        <pc:picChg chg="del">
+          <ac:chgData name="Arunabh Ghosh" userId="7064b204c6fa9c53" providerId="LiveId" clId="{C0633932-831A-4460-A979-3270EB6D0A54}" dt="2018-10-30T05:16:44.274" v="360" actId="478"/>
+          <ac:picMkLst>
+            <pc:docMk/>
+            <pc:sldMk cId="591534150" sldId="267"/>
+            <ac:picMk id="5" creationId="{1CAA4890-4E49-403A-82F7-8077A46322AB}"/>
+          </ac:picMkLst>
+        </pc:picChg>
+        <pc:picChg chg="add mod">
+          <ac:chgData name="Arunabh Ghosh" userId="7064b204c6fa9c53" providerId="LiveId" clId="{C0633932-831A-4460-A979-3270EB6D0A54}" dt="2018-10-30T05:17:09.894" v="371" actId="1076"/>
+          <ac:picMkLst>
+            <pc:docMk/>
+            <pc:sldMk cId="591534150" sldId="267"/>
+            <ac:picMk id="6" creationId="{E11AB0D5-D586-442E-98CC-981FDA1F4B9F}"/>
+          </ac:picMkLst>
+        </pc:picChg>
+        <pc:picChg chg="del">
+          <ac:chgData name="Arunabh Ghosh" userId="7064b204c6fa9c53" providerId="LiveId" clId="{C0633932-831A-4460-A979-3270EB6D0A54}" dt="2018-10-30T05:16:44.274" v="360" actId="478"/>
+          <ac:picMkLst>
+            <pc:docMk/>
+            <pc:sldMk cId="591534150" sldId="267"/>
+            <ac:picMk id="7" creationId="{4956A550-FE75-4F48-A77C-0ED7D06B5049}"/>
+          </ac:picMkLst>
+        </pc:picChg>
+        <pc:picChg chg="del">
+          <ac:chgData name="Arunabh Ghosh" userId="7064b204c6fa9c53" providerId="LiveId" clId="{C0633932-831A-4460-A979-3270EB6D0A54}" dt="2018-10-30T05:16:44.274" v="360" actId="478"/>
+          <ac:picMkLst>
+            <pc:docMk/>
+            <pc:sldMk cId="591534150" sldId="267"/>
+            <ac:picMk id="9" creationId="{F2C30DF4-BF36-4451-BBAF-D6FC5FB8E212}"/>
+          </ac:picMkLst>
+        </pc:picChg>
+        <pc:picChg chg="add mod">
+          <ac:chgData name="Arunabh Ghosh" userId="7064b204c6fa9c53" providerId="LiveId" clId="{C0633932-831A-4460-A979-3270EB6D0A54}" dt="2018-10-30T05:17:06.858" v="370" actId="1076"/>
+          <ac:picMkLst>
+            <pc:docMk/>
+            <pc:sldMk cId="591534150" sldId="267"/>
+            <ac:picMk id="10" creationId="{23D44FE3-B10D-4BED-A9FC-D711F22D8A25}"/>
+          </ac:picMkLst>
+        </pc:picChg>
+        <pc:picChg chg="del">
+          <ac:chgData name="Arunabh Ghosh" userId="7064b204c6fa9c53" providerId="LiveId" clId="{C0633932-831A-4460-A979-3270EB6D0A54}" dt="2018-10-30T05:16:44.274" v="360" actId="478"/>
+          <ac:picMkLst>
+            <pc:docMk/>
+            <pc:sldMk cId="591534150" sldId="267"/>
+            <ac:picMk id="12" creationId="{F9ADD3B9-BFD8-4C1F-942F-3B4AA5740974}"/>
+          </ac:picMkLst>
+        </pc:picChg>
+        <pc:picChg chg="add mod">
+          <ac:chgData name="Arunabh Ghosh" userId="7064b204c6fa9c53" providerId="LiveId" clId="{C0633932-831A-4460-A979-3270EB6D0A54}" dt="2018-10-30T05:16:58.326" v="369" actId="1076"/>
+          <ac:picMkLst>
+            <pc:docMk/>
+            <pc:sldMk cId="591534150" sldId="267"/>
+            <ac:picMk id="13" creationId="{55000144-834A-4C0F-9859-4C2AA279C1AE}"/>
+          </ac:picMkLst>
+        </pc:picChg>
+        <pc:picChg chg="add mod">
+          <ac:chgData name="Arunabh Ghosh" userId="7064b204c6fa9c53" providerId="LiveId" clId="{C0633932-831A-4460-A979-3270EB6D0A54}" dt="2018-10-30T05:17:39.471" v="382" actId="1076"/>
+          <ac:picMkLst>
+            <pc:docMk/>
+            <pc:sldMk cId="591534150" sldId="267"/>
+            <ac:picMk id="15" creationId="{DF9C9550-43F5-446A-9251-5A6D953A971F}"/>
+          </ac:picMkLst>
+        </pc:picChg>
+        <pc:picChg chg="del">
+          <ac:chgData name="Arunabh Ghosh" userId="7064b204c6fa9c53" providerId="LiveId" clId="{C0633932-831A-4460-A979-3270EB6D0A54}" dt="2018-10-30T05:16:44.274" v="360" actId="478"/>
+          <ac:picMkLst>
+            <pc:docMk/>
+            <pc:sldMk cId="591534150" sldId="267"/>
+            <ac:picMk id="16" creationId="{4DDC9B77-E6C9-4503-AA0A-842FE048CE58}"/>
+          </ac:picMkLst>
+        </pc:picChg>
+        <pc:picChg chg="add mod">
+          <ac:chgData name="Arunabh Ghosh" userId="7064b204c6fa9c53" providerId="LiveId" clId="{C0633932-831A-4460-A979-3270EB6D0A54}" dt="2018-10-30T05:17:32.278" v="380" actId="1076"/>
+          <ac:picMkLst>
+            <pc:docMk/>
+            <pc:sldMk cId="591534150" sldId="267"/>
+            <ac:picMk id="18" creationId="{25DBF258-DC48-4DCC-AD2C-2B876336FF2C}"/>
+          </ac:picMkLst>
+        </pc:picChg>
+        <pc:picChg chg="del">
+          <ac:chgData name="Arunabh Ghosh" userId="7064b204c6fa9c53" providerId="LiveId" clId="{C0633932-831A-4460-A979-3270EB6D0A54}" dt="2018-10-30T05:16:44.274" v="360" actId="478"/>
+          <ac:picMkLst>
+            <pc:docMk/>
+            <pc:sldMk cId="591534150" sldId="267"/>
+            <ac:picMk id="20" creationId="{DBB72029-CA24-4E4E-B4A9-D96B415F0E8B}"/>
+          </ac:picMkLst>
+        </pc:picChg>
+        <pc:picChg chg="add mod">
+          <ac:chgData name="Arunabh Ghosh" userId="7064b204c6fa9c53" providerId="LiveId" clId="{C0633932-831A-4460-A979-3270EB6D0A54}" dt="2018-10-30T05:17:26.482" v="379" actId="1076"/>
+          <ac:picMkLst>
+            <pc:docMk/>
+            <pc:sldMk cId="591534150" sldId="267"/>
+            <ac:picMk id="21" creationId="{AA2935C9-015D-48CF-8919-A877EF420532}"/>
+          </ac:picMkLst>
+        </pc:picChg>
+        <pc:picChg chg="del">
+          <ac:chgData name="Arunabh Ghosh" userId="7064b204c6fa9c53" providerId="LiveId" clId="{C0633932-831A-4460-A979-3270EB6D0A54}" dt="2018-10-30T05:16:44.274" v="360" actId="478"/>
+          <ac:picMkLst>
+            <pc:docMk/>
+            <pc:sldMk cId="591534150" sldId="267"/>
+            <ac:picMk id="23" creationId="{132D752B-F3E6-4EF6-B2BB-CED02BA00D92}"/>
+          </ac:picMkLst>
+        </pc:picChg>
+        <pc:picChg chg="add mod">
+          <ac:chgData name="Arunabh Ghosh" userId="7064b204c6fa9c53" providerId="LiveId" clId="{C0633932-831A-4460-A979-3270EB6D0A54}" dt="2018-10-30T05:18:02.539" v="390" actId="1076"/>
+          <ac:picMkLst>
+            <pc:docMk/>
+            <pc:sldMk cId="591534150" sldId="267"/>
+            <ac:picMk id="24" creationId="{0CD09FEC-C32C-4E73-B378-967E5707C6D9}"/>
+          </ac:picMkLst>
+        </pc:picChg>
+        <pc:picChg chg="del">
+          <ac:chgData name="Arunabh Ghosh" userId="7064b204c6fa9c53" providerId="LiveId" clId="{C0633932-831A-4460-A979-3270EB6D0A54}" dt="2018-10-30T05:16:44.274" v="360" actId="478"/>
+          <ac:picMkLst>
+            <pc:docMk/>
+            <pc:sldMk cId="591534150" sldId="267"/>
+            <ac:picMk id="25" creationId="{83D847AB-9A5D-415F-897C-81B55AAC8C6F}"/>
+          </ac:picMkLst>
+        </pc:picChg>
+        <pc:picChg chg="del">
+          <ac:chgData name="Arunabh Ghosh" userId="7064b204c6fa9c53" providerId="LiveId" clId="{C0633932-831A-4460-A979-3270EB6D0A54}" dt="2018-10-30T05:16:44.274" v="360" actId="478"/>
+          <ac:picMkLst>
+            <pc:docMk/>
+            <pc:sldMk cId="591534150" sldId="267"/>
+            <ac:picMk id="27" creationId="{002AC44C-6FC0-4CD0-974D-B8C7DC8D45CC}"/>
+          </ac:picMkLst>
+        </pc:picChg>
+        <pc:picChg chg="add mod">
+          <ac:chgData name="Arunabh Ghosh" userId="7064b204c6fa9c53" providerId="LiveId" clId="{C0633932-831A-4460-A979-3270EB6D0A54}" dt="2018-10-30T05:17:58.839" v="389" actId="1076"/>
+          <ac:picMkLst>
+            <pc:docMk/>
+            <pc:sldMk cId="591534150" sldId="267"/>
+            <ac:picMk id="28" creationId="{DE60020C-02F8-4F81-806D-A5FADA59B205}"/>
+          </ac:picMkLst>
+        </pc:picChg>
+        <pc:picChg chg="add mod">
+          <ac:chgData name="Arunabh Ghosh" userId="7064b204c6fa9c53" providerId="LiveId" clId="{C0633932-831A-4460-A979-3270EB6D0A54}" dt="2018-10-30T05:17:55.851" v="388" actId="1076"/>
+          <ac:picMkLst>
+            <pc:docMk/>
+            <pc:sldMk cId="591534150" sldId="267"/>
+            <ac:picMk id="30" creationId="{6C6CD6BC-6A9D-4079-BCCD-161315F39D1A}"/>
+          </ac:picMkLst>
+        </pc:picChg>
+      </pc:sldChg>
+    </pc:docChg>
+  </pc:docChgLst>
+</pc:chgInfo>
 </file>
 
 <file path=ppt/slideLayouts/slideLayout1.xml><?xml version="1.0" encoding="utf-8"?>
@@ -260,7 +917,7 @@
           <a:p>
             <a:fld id="{70982B4F-9361-4442-91F2-2AC47C8526E1}" type="datetimeFigureOut">
               <a:rPr lang="en-IN" smtClean="0"/>
-              <a:t>28-10-2018</a:t>
+              <a:t>03-11-2018</a:t>
             </a:fld>
             <a:endParaRPr lang="en-IN"/>
           </a:p>
@@ -460,7 +1117,7 @@
           <a:p>
             <a:fld id="{70982B4F-9361-4442-91F2-2AC47C8526E1}" type="datetimeFigureOut">
               <a:rPr lang="en-IN" smtClean="0"/>
-              <a:t>28-10-2018</a:t>
+              <a:t>03-11-2018</a:t>
             </a:fld>
             <a:endParaRPr lang="en-IN"/>
           </a:p>
@@ -670,7 +1327,7 @@
           <a:p>
             <a:fld id="{70982B4F-9361-4442-91F2-2AC47C8526E1}" type="datetimeFigureOut">
               <a:rPr lang="en-IN" smtClean="0"/>
-              <a:t>28-10-2018</a:t>
+              <a:t>03-11-2018</a:t>
             </a:fld>
             <a:endParaRPr lang="en-IN"/>
           </a:p>
@@ -870,7 +1527,7 @@
           <a:p>
             <a:fld id="{70982B4F-9361-4442-91F2-2AC47C8526E1}" type="datetimeFigureOut">
               <a:rPr lang="en-IN" smtClean="0"/>
-              <a:t>28-10-2018</a:t>
+              <a:t>03-11-2018</a:t>
             </a:fld>
             <a:endParaRPr lang="en-IN"/>
           </a:p>
@@ -1146,7 +1803,7 @@
           <a:p>
             <a:fld id="{70982B4F-9361-4442-91F2-2AC47C8526E1}" type="datetimeFigureOut">
               <a:rPr lang="en-IN" smtClean="0"/>
-              <a:t>28-10-2018</a:t>
+              <a:t>03-11-2018</a:t>
             </a:fld>
             <a:endParaRPr lang="en-IN"/>
           </a:p>
@@ -1414,7 +2071,7 @@
           <a:p>
             <a:fld id="{70982B4F-9361-4442-91F2-2AC47C8526E1}" type="datetimeFigureOut">
               <a:rPr lang="en-IN" smtClean="0"/>
-              <a:t>28-10-2018</a:t>
+              <a:t>03-11-2018</a:t>
             </a:fld>
             <a:endParaRPr lang="en-IN"/>
           </a:p>
@@ -1829,7 +2486,7 @@
           <a:p>
             <a:fld id="{70982B4F-9361-4442-91F2-2AC47C8526E1}" type="datetimeFigureOut">
               <a:rPr lang="en-IN" smtClean="0"/>
-              <a:t>28-10-2018</a:t>
+              <a:t>03-11-2018</a:t>
             </a:fld>
             <a:endParaRPr lang="en-IN"/>
           </a:p>
@@ -1971,7 +2628,7 @@
           <a:p>
             <a:fld id="{70982B4F-9361-4442-91F2-2AC47C8526E1}" type="datetimeFigureOut">
               <a:rPr lang="en-IN" smtClean="0"/>
-              <a:t>28-10-2018</a:t>
+              <a:t>03-11-2018</a:t>
             </a:fld>
             <a:endParaRPr lang="en-IN"/>
           </a:p>
@@ -2084,7 +2741,7 @@
           <a:p>
             <a:fld id="{70982B4F-9361-4442-91F2-2AC47C8526E1}" type="datetimeFigureOut">
               <a:rPr lang="en-IN" smtClean="0"/>
-              <a:t>28-10-2018</a:t>
+              <a:t>03-11-2018</a:t>
             </a:fld>
             <a:endParaRPr lang="en-IN"/>
           </a:p>
@@ -2397,7 +3054,7 @@
           <a:p>
             <a:fld id="{70982B4F-9361-4442-91F2-2AC47C8526E1}" type="datetimeFigureOut">
               <a:rPr lang="en-IN" smtClean="0"/>
-              <a:t>28-10-2018</a:t>
+              <a:t>03-11-2018</a:t>
             </a:fld>
             <a:endParaRPr lang="en-IN"/>
           </a:p>
@@ -2686,7 +3343,7 @@
           <a:p>
             <a:fld id="{70982B4F-9361-4442-91F2-2AC47C8526E1}" type="datetimeFigureOut">
               <a:rPr lang="en-IN" smtClean="0"/>
-              <a:t>28-10-2018</a:t>
+              <a:t>03-11-2018</a:t>
             </a:fld>
             <a:endParaRPr lang="en-IN"/>
           </a:p>
@@ -2929,7 +3586,7 @@
           <a:p>
             <a:fld id="{70982B4F-9361-4442-91F2-2AC47C8526E1}" type="datetimeFigureOut">
               <a:rPr lang="en-IN" smtClean="0"/>
-              <a:t>28-10-2018</a:t>
+              <a:t>03-11-2018</a:t>
             </a:fld>
             <a:endParaRPr lang="en-IN"/>
           </a:p>
@@ -3348,10 +4005,10 @@
       </p:grpSpPr>
       <p:sp>
         <p:nvSpPr>
-          <p:cNvPr id="4" name="Title 3">
-            <a:extLst>
-              <a:ext uri="{FF2B5EF4-FFF2-40B4-BE49-F238E27FC236}">
-                <a16:creationId xmlns:a16="http://schemas.microsoft.com/office/drawing/2014/main" id="{773B2DE0-A63E-4491-8C01-B34D9B7ADA5F}"/>
+          <p:cNvPr id="2" name="Title 1">
+            <a:extLst>
+              <a:ext uri="{FF2B5EF4-FFF2-40B4-BE49-F238E27FC236}">
+                <a16:creationId xmlns:a16="http://schemas.microsoft.com/office/drawing/2014/main" id="{0FAAA613-C133-4989-9CEE-94F00B23F1C2}"/>
               </a:ext>
             </a:extLst>
           </p:cNvPr>
@@ -3369,26 +4026,163 @@
           <a:p>
             <a:r>
               <a:rPr lang="en-US" dirty="0"/>
-              <a:t>Kernel K-means</a:t>
+              <a:t>Original Images</a:t>
             </a:r>
             <a:endParaRPr lang="en-IN" dirty="0"/>
           </a:p>
         </p:txBody>
       </p:sp>
-      <p:sp>
-        <p:nvSpPr>
+      <p:pic>
+        <p:nvPicPr>
           <p:cNvPr id="5" name="Content Placeholder 4">
             <a:extLst>
               <a:ext uri="{FF2B5EF4-FFF2-40B4-BE49-F238E27FC236}">
-                <a16:creationId xmlns:a16="http://schemas.microsoft.com/office/drawing/2014/main" id="{74575468-DE89-43BA-904F-5C68547A3D6A}"/>
-              </a:ext>
-            </a:extLst>
-          </p:cNvPr>
-          <p:cNvSpPr>
-            <a:spLocks noGrp="1"/>
-          </p:cNvSpPr>
+                <a16:creationId xmlns:a16="http://schemas.microsoft.com/office/drawing/2014/main" id="{52482776-88AC-4236-9A7B-0B51DF1984B1}"/>
+              </a:ext>
+            </a:extLst>
+          </p:cNvPr>
+          <p:cNvPicPr>
+            <a:picLocks noGrp="1" noChangeAspect="1"/>
+          </p:cNvPicPr>
           <p:nvPr>
             <p:ph idx="1"/>
+          </p:nvPr>
+        </p:nvPicPr>
+        <p:blipFill>
+          <a:blip r:embed="rId2">
+            <a:extLst>
+              <a:ext uri="{28A0092B-C50C-407E-A947-70E740481C1C}">
+                <a14:useLocalDpi xmlns:a14="http://schemas.microsoft.com/office/drawing/2010/main" val="0"/>
+              </a:ext>
+            </a:extLst>
+          </a:blip>
+          <a:stretch>
+            <a:fillRect/>
+          </a:stretch>
+        </p:blipFill>
+        <p:spPr>
+          <a:xfrm>
+            <a:off x="7515225" y="3429000"/>
+            <a:ext cx="952500" cy="952500"/>
+          </a:xfrm>
+        </p:spPr>
+      </p:pic>
+      <p:pic>
+        <p:nvPicPr>
+          <p:cNvPr id="7" name="Picture 6">
+            <a:extLst>
+              <a:ext uri="{FF2B5EF4-FFF2-40B4-BE49-F238E27FC236}">
+                <a16:creationId xmlns:a16="http://schemas.microsoft.com/office/drawing/2014/main" id="{BC7E5A49-549A-466E-9C9B-98D30FC95CBD}"/>
+              </a:ext>
+            </a:extLst>
+          </p:cNvPr>
+          <p:cNvPicPr>
+            <a:picLocks noChangeAspect="1"/>
+          </p:cNvPicPr>
+          <p:nvPr/>
+        </p:nvPicPr>
+        <p:blipFill>
+          <a:blip r:embed="rId3">
+            <a:extLst>
+              <a:ext uri="{28A0092B-C50C-407E-A947-70E740481C1C}">
+                <a14:useLocalDpi xmlns:a14="http://schemas.microsoft.com/office/drawing/2010/main" val="0"/>
+              </a:ext>
+            </a:extLst>
+          </a:blip>
+          <a:stretch>
+            <a:fillRect/>
+          </a:stretch>
+        </p:blipFill>
+        <p:spPr>
+          <a:xfrm>
+            <a:off x="5534025" y="3429000"/>
+            <a:ext cx="952500" cy="952500"/>
+          </a:xfrm>
+          <a:prstGeom prst="rect">
+            <a:avLst/>
+          </a:prstGeom>
+        </p:spPr>
+      </p:pic>
+      <p:pic>
+        <p:nvPicPr>
+          <p:cNvPr id="9" name="Picture 8">
+            <a:extLst>
+              <a:ext uri="{FF2B5EF4-FFF2-40B4-BE49-F238E27FC236}">
+                <a16:creationId xmlns:a16="http://schemas.microsoft.com/office/drawing/2014/main" id="{1021F81D-8D3E-4157-868A-3F2401892F8C}"/>
+              </a:ext>
+            </a:extLst>
+          </p:cNvPr>
+          <p:cNvPicPr>
+            <a:picLocks noChangeAspect="1"/>
+          </p:cNvPicPr>
+          <p:nvPr/>
+        </p:nvPicPr>
+        <p:blipFill>
+          <a:blip r:embed="rId4">
+            <a:extLst>
+              <a:ext uri="{28A0092B-C50C-407E-A947-70E740481C1C}">
+                <a14:useLocalDpi xmlns:a14="http://schemas.microsoft.com/office/drawing/2010/main" val="0"/>
+              </a:ext>
+            </a:extLst>
+          </a:blip>
+          <a:stretch>
+            <a:fillRect/>
+          </a:stretch>
+        </p:blipFill>
+        <p:spPr>
+          <a:xfrm>
+            <a:off x="3533775" y="3429000"/>
+            <a:ext cx="952500" cy="952500"/>
+          </a:xfrm>
+          <a:prstGeom prst="rect">
+            <a:avLst/>
+          </a:prstGeom>
+        </p:spPr>
+      </p:pic>
+    </p:spTree>
+    <p:extLst>
+      <p:ext uri="{BB962C8B-B14F-4D97-AF65-F5344CB8AC3E}">
+        <p14:creationId xmlns:p14="http://schemas.microsoft.com/office/powerpoint/2010/main" val="203063340"/>
+      </p:ext>
+    </p:extLst>
+  </p:cSld>
+  <p:clrMapOvr>
+    <a:masterClrMapping/>
+  </p:clrMapOvr>
+</p:sld>
+</file>
+
+<file path=ppt/slides/slide10.xml><?xml version="1.0" encoding="utf-8"?>
+<p:sld xmlns:a="http://schemas.openxmlformats.org/drawingml/2006/main" xmlns:r="http://schemas.openxmlformats.org/officeDocument/2006/relationships" xmlns:p="http://schemas.openxmlformats.org/presentationml/2006/main">
+  <p:cSld>
+    <p:spTree>
+      <p:nvGrpSpPr>
+        <p:cNvPr id="1" name=""/>
+        <p:cNvGrpSpPr/>
+        <p:nvPr/>
+      </p:nvGrpSpPr>
+      <p:grpSpPr>
+        <a:xfrm>
+          <a:off x="0" y="0"/>
+          <a:ext cx="0" cy="0"/>
+          <a:chOff x="0" y="0"/>
+          <a:chExt cx="0" cy="0"/>
+        </a:xfrm>
+      </p:grpSpPr>
+      <p:sp>
+        <p:nvSpPr>
+          <p:cNvPr id="4" name="Title 3">
+            <a:extLst>
+              <a:ext uri="{FF2B5EF4-FFF2-40B4-BE49-F238E27FC236}">
+                <a16:creationId xmlns:a16="http://schemas.microsoft.com/office/drawing/2014/main" id="{773B2DE0-A63E-4491-8C01-B34D9B7ADA5F}"/>
+              </a:ext>
+            </a:extLst>
+          </p:cNvPr>
+          <p:cNvSpPr>
+            <a:spLocks noGrp="1"/>
+          </p:cNvSpPr>
+          <p:nvPr>
+            <p:ph type="title"/>
           </p:nvPr>
         </p:nvSpPr>
         <p:spPr/>
@@ -3398,6 +4192,35 @@
           <a:p>
             <a:r>
               <a:rPr lang="en-US" dirty="0"/>
+              <a:t>Kernel PCA</a:t>
+            </a:r>
+            <a:endParaRPr lang="en-IN" dirty="0"/>
+          </a:p>
+        </p:txBody>
+      </p:sp>
+      <p:sp>
+        <p:nvSpPr>
+          <p:cNvPr id="5" name="Content Placeholder 4">
+            <a:extLst>
+              <a:ext uri="{FF2B5EF4-FFF2-40B4-BE49-F238E27FC236}">
+                <a16:creationId xmlns:a16="http://schemas.microsoft.com/office/drawing/2014/main" id="{74575468-DE89-43BA-904F-5C68547A3D6A}"/>
+              </a:ext>
+            </a:extLst>
+          </p:cNvPr>
+          <p:cNvSpPr>
+            <a:spLocks noGrp="1"/>
+          </p:cNvSpPr>
+          <p:nvPr>
+            <p:ph idx="1"/>
+          </p:nvPr>
+        </p:nvSpPr>
+        <p:spPr/>
+        <p:txBody>
+          <a:bodyPr/>
+          <a:lstStyle/>
+          <a:p>
+            <a:r>
+              <a:rPr lang="en-US" dirty="0"/>
               <a:t>Number of projections – 8000</a:t>
             </a:r>
           </a:p>
@@ -3412,6 +4235,8 @@
               <a:rPr lang="en-US" dirty="0"/>
               <a:t>2 classes</a:t>
             </a:r>
+          </a:p>
+          <a:p>
             <a:endParaRPr lang="en-IN" dirty="0"/>
           </a:p>
         </p:txBody>
@@ -3421,7 +4246,7 @@
           <p:cNvPr id="6" name="Object 5">
             <a:extLst>
               <a:ext uri="{FF2B5EF4-FFF2-40B4-BE49-F238E27FC236}">
-                <a16:creationId xmlns:a16="http://schemas.microsoft.com/office/drawing/2014/main" id="{8958831F-CE45-4E88-A37F-0E3CBF386B29}"/>
+                <a16:creationId xmlns:a16="http://schemas.microsoft.com/office/drawing/2014/main" id="{84C196B0-81D5-4A2C-91C1-36D75698C564}"/>
               </a:ext>
             </a:extLst>
           </p:cNvPr>
@@ -3431,7 +4256,1941 @@
           <p:nvPr>
             <p:extLst>
               <p:ext uri="{D42A27DB-BD31-4B8C-83A1-F6EECF244321}">
-                <p14:modId xmlns:p14="http://schemas.microsoft.com/office/powerpoint/2010/main" val="2966348182"/>
+                <p14:modId xmlns:p14="http://schemas.microsoft.com/office/powerpoint/2010/main" val="4032998546"/>
+              </p:ext>
+            </p:extLst>
+          </p:nvPr>
+        </p:nvGraphicFramePr>
+        <p:xfrm>
+          <a:off x="6987925" y="4689474"/>
+          <a:ext cx="2009709" cy="749299"/>
+        </p:xfrm>
+        <a:graphic>
+          <a:graphicData uri="http://schemas.openxmlformats.org/presentationml/2006/ole">
+            <mc:AlternateContent xmlns:mc="http://schemas.openxmlformats.org/markup-compatibility/2006">
+              <mc:Choice xmlns:v="urn:schemas-microsoft-com:vml" Requires="v">
+                <p:oleObj spid="_x0000_s5122" name="Packager Shell Object" showAsIcon="1" r:id="rId3" imgW="1286280" imgH="478800" progId="Package">
+                  <p:embed/>
+                </p:oleObj>
+              </mc:Choice>
+              <mc:Fallback>
+                <p:oleObj name="Packager Shell Object" showAsIcon="1" r:id="rId3" imgW="1286280" imgH="478800" progId="Package">
+                  <p:embed/>
+                  <p:pic>
+                    <p:nvPicPr>
+                      <p:cNvPr id="6" name="Object 5">
+                        <a:extLst>
+                          <a:ext uri="{FF2B5EF4-FFF2-40B4-BE49-F238E27FC236}">
+                            <a16:creationId xmlns:a16="http://schemas.microsoft.com/office/drawing/2014/main" id="{84C196B0-81D5-4A2C-91C1-36D75698C564}"/>
+                          </a:ext>
+                        </a:extLst>
+                      </p:cNvPr>
+                      <p:cNvPicPr/>
+                      <p:nvPr/>
+                    </p:nvPicPr>
+                    <p:blipFill>
+                      <a:blip r:embed="rId4"/>
+                      <a:stretch>
+                        <a:fillRect/>
+                      </a:stretch>
+                    </p:blipFill>
+                    <p:spPr>
+                      <a:xfrm>
+                        <a:off x="6987925" y="4689474"/>
+                        <a:ext cx="2009709" cy="749299"/>
+                      </a:xfrm>
+                      <a:prstGeom prst="rect">
+                        <a:avLst/>
+                      </a:prstGeom>
+                    </p:spPr>
+                  </p:pic>
+                </p:oleObj>
+              </mc:Fallback>
+            </mc:AlternateContent>
+          </a:graphicData>
+        </a:graphic>
+      </p:graphicFrame>
+      <p:graphicFrame>
+        <p:nvGraphicFramePr>
+          <p:cNvPr id="7" name="Object 6">
+            <a:extLst>
+              <a:ext uri="{FF2B5EF4-FFF2-40B4-BE49-F238E27FC236}">
+                <a16:creationId xmlns:a16="http://schemas.microsoft.com/office/drawing/2014/main" id="{B0DFA0CF-8365-4F86-85A7-EF25266EB5F3}"/>
+              </a:ext>
+            </a:extLst>
+          </p:cNvPr>
+          <p:cNvGraphicFramePr>
+            <a:graphicFrameLocks noChangeAspect="1"/>
+          </p:cNvGraphicFramePr>
+          <p:nvPr>
+            <p:extLst>
+              <p:ext uri="{D42A27DB-BD31-4B8C-83A1-F6EECF244321}">
+                <p14:modId xmlns:p14="http://schemas.microsoft.com/office/powerpoint/2010/main" val="75054350"/>
+              </p:ext>
+            </p:extLst>
+          </p:nvPr>
+        </p:nvGraphicFramePr>
+        <p:xfrm>
+          <a:off x="3502025" y="4689474"/>
+          <a:ext cx="1702052" cy="749300"/>
+        </p:xfrm>
+        <a:graphic>
+          <a:graphicData uri="http://schemas.openxmlformats.org/presentationml/2006/ole">
+            <mc:AlternateContent xmlns:mc="http://schemas.openxmlformats.org/markup-compatibility/2006">
+              <mc:Choice xmlns:v="urn:schemas-microsoft-com:vml" Requires="v">
+                <p:oleObj spid="_x0000_s5123" name="Packager Shell Object" showAsIcon="1" r:id="rId5" imgW="1089360" imgH="478800" progId="Package">
+                  <p:embed/>
+                </p:oleObj>
+              </mc:Choice>
+              <mc:Fallback>
+                <p:oleObj name="Packager Shell Object" showAsIcon="1" r:id="rId5" imgW="1089360" imgH="478800" progId="Package">
+                  <p:embed/>
+                  <p:pic>
+                    <p:nvPicPr>
+                      <p:cNvPr id="7" name="Object 6">
+                        <a:extLst>
+                          <a:ext uri="{FF2B5EF4-FFF2-40B4-BE49-F238E27FC236}">
+                            <a16:creationId xmlns:a16="http://schemas.microsoft.com/office/drawing/2014/main" id="{B0DFA0CF-8365-4F86-85A7-EF25266EB5F3}"/>
+                          </a:ext>
+                        </a:extLst>
+                      </p:cNvPr>
+                      <p:cNvPicPr/>
+                      <p:nvPr/>
+                    </p:nvPicPr>
+                    <p:blipFill>
+                      <a:blip r:embed="rId6"/>
+                      <a:stretch>
+                        <a:fillRect/>
+                      </a:stretch>
+                    </p:blipFill>
+                    <p:spPr>
+                      <a:xfrm>
+                        <a:off x="3502025" y="4689474"/>
+                        <a:ext cx="1702052" cy="749300"/>
+                      </a:xfrm>
+                      <a:prstGeom prst="rect">
+                        <a:avLst/>
+                      </a:prstGeom>
+                    </p:spPr>
+                  </p:pic>
+                </p:oleObj>
+              </mc:Fallback>
+            </mc:AlternateContent>
+          </a:graphicData>
+        </a:graphic>
+      </p:graphicFrame>
+    </p:spTree>
+    <p:extLst>
+      <p:ext uri="{BB962C8B-B14F-4D97-AF65-F5344CB8AC3E}">
+        <p14:creationId xmlns:p14="http://schemas.microsoft.com/office/powerpoint/2010/main" val="1266578303"/>
+      </p:ext>
+    </p:extLst>
+  </p:cSld>
+  <p:clrMapOvr>
+    <a:masterClrMapping/>
+  </p:clrMapOvr>
+</p:sld>
+</file>
+
+<file path=ppt/slides/slide2.xml><?xml version="1.0" encoding="utf-8"?>
+<p:sld xmlns:a="http://schemas.openxmlformats.org/drawingml/2006/main" xmlns:r="http://schemas.openxmlformats.org/officeDocument/2006/relationships" xmlns:p="http://schemas.openxmlformats.org/presentationml/2006/main">
+  <p:cSld>
+    <p:spTree>
+      <p:nvGrpSpPr>
+        <p:cNvPr id="1" name=""/>
+        <p:cNvGrpSpPr/>
+        <p:nvPr/>
+      </p:nvGrpSpPr>
+      <p:grpSpPr>
+        <a:xfrm>
+          <a:off x="0" y="0"/>
+          <a:ext cx="0" cy="0"/>
+          <a:chOff x="0" y="0"/>
+          <a:chExt cx="0" cy="0"/>
+        </a:xfrm>
+      </p:grpSpPr>
+      <p:sp>
+        <p:nvSpPr>
+          <p:cNvPr id="2" name="Title 1">
+            <a:extLst>
+              <a:ext uri="{FF2B5EF4-FFF2-40B4-BE49-F238E27FC236}">
+                <a16:creationId xmlns:a16="http://schemas.microsoft.com/office/drawing/2014/main" id="{CDF5AA99-67ED-4F01-B2FA-F4D2D388F984}"/>
+              </a:ext>
+            </a:extLst>
+          </p:cNvPr>
+          <p:cNvSpPr>
+            <a:spLocks noGrp="1"/>
+          </p:cNvSpPr>
+          <p:nvPr>
+            <p:ph type="title"/>
+          </p:nvPr>
+        </p:nvSpPr>
+        <p:spPr/>
+        <p:txBody>
+          <a:bodyPr/>
+          <a:lstStyle/>
+          <a:p>
+            <a:r>
+              <a:rPr lang="en-US" dirty="0"/>
+              <a:t>Reconstruction using DCT basis</a:t>
+            </a:r>
+            <a:endParaRPr lang="en-IN" dirty="0"/>
+          </a:p>
+        </p:txBody>
+      </p:sp>
+      <p:sp>
+        <p:nvSpPr>
+          <p:cNvPr id="3" name="Content Placeholder 2">
+            <a:extLst>
+              <a:ext uri="{FF2B5EF4-FFF2-40B4-BE49-F238E27FC236}">
+                <a16:creationId xmlns:a16="http://schemas.microsoft.com/office/drawing/2014/main" id="{9F11E205-D83C-4BCF-B272-79F9B52FF44D}"/>
+              </a:ext>
+            </a:extLst>
+          </p:cNvPr>
+          <p:cNvSpPr>
+            <a:spLocks noGrp="1"/>
+          </p:cNvSpPr>
+          <p:nvPr>
+            <p:ph idx="1"/>
+          </p:nvPr>
+        </p:nvSpPr>
+        <p:spPr/>
+        <p:txBody>
+          <a:bodyPr/>
+          <a:lstStyle/>
+          <a:p>
+            <a:r>
+              <a:rPr lang="en-US" dirty="0"/>
+              <a:t>2 classes</a:t>
+            </a:r>
+          </a:p>
+          <a:p>
+            <a:r>
+              <a:rPr lang="en-US" dirty="0"/>
+              <a:t>15 percent noise</a:t>
+            </a:r>
+          </a:p>
+          <a:p>
+            <a:r>
+              <a:rPr lang="en-US" dirty="0"/>
+              <a:t>No of projections – 20000, 25000, 30000</a:t>
+            </a:r>
+            <a:endParaRPr lang="en-IN" dirty="0"/>
+          </a:p>
+        </p:txBody>
+      </p:sp>
+      <p:pic>
+        <p:nvPicPr>
+          <p:cNvPr id="4" name="Content Placeholder 4" descr="A picture containing invertebrate, animal, mollusk, snail&#10;&#10;Description generated with very high confidence">
+            <a:extLst>
+              <a:ext uri="{FF2B5EF4-FFF2-40B4-BE49-F238E27FC236}">
+                <a16:creationId xmlns:a16="http://schemas.microsoft.com/office/drawing/2014/main" id="{6CE98728-0D38-4CCD-98DB-AC254C167306}"/>
+              </a:ext>
+            </a:extLst>
+          </p:cNvPr>
+          <p:cNvPicPr>
+            <a:picLocks noChangeAspect="1"/>
+          </p:cNvPicPr>
+          <p:nvPr/>
+        </p:nvPicPr>
+        <p:blipFill>
+          <a:blip r:embed="rId2">
+            <a:extLst>
+              <a:ext uri="{28A0092B-C50C-407E-A947-70E740481C1C}">
+                <a14:useLocalDpi xmlns:a14="http://schemas.microsoft.com/office/drawing/2010/main" val="0"/>
+              </a:ext>
+            </a:extLst>
+          </a:blip>
+          <a:stretch>
+            <a:fillRect/>
+          </a:stretch>
+        </p:blipFill>
+        <p:spPr>
+          <a:xfrm>
+            <a:off x="4895848" y="3311526"/>
+            <a:ext cx="952500" cy="952500"/>
+          </a:xfrm>
+          <a:prstGeom prst="rect">
+            <a:avLst/>
+          </a:prstGeom>
+        </p:spPr>
+      </p:pic>
+      <p:pic>
+        <p:nvPicPr>
+          <p:cNvPr id="5" name="Picture 4" descr="A close up of an animal&#10;&#10;Description generated with very high confidence">
+            <a:extLst>
+              <a:ext uri="{FF2B5EF4-FFF2-40B4-BE49-F238E27FC236}">
+                <a16:creationId xmlns:a16="http://schemas.microsoft.com/office/drawing/2014/main" id="{88C1C477-2F1A-458C-9F1B-369E2D6C735B}"/>
+              </a:ext>
+            </a:extLst>
+          </p:cNvPr>
+          <p:cNvPicPr>
+            <a:picLocks noChangeAspect="1"/>
+          </p:cNvPicPr>
+          <p:nvPr/>
+        </p:nvPicPr>
+        <p:blipFill>
+          <a:blip r:embed="rId3">
+            <a:extLst>
+              <a:ext uri="{28A0092B-C50C-407E-A947-70E740481C1C}">
+                <a14:useLocalDpi xmlns:a14="http://schemas.microsoft.com/office/drawing/2010/main" val="0"/>
+              </a:ext>
+            </a:extLst>
+          </a:blip>
+          <a:stretch>
+            <a:fillRect/>
+          </a:stretch>
+        </p:blipFill>
+        <p:spPr>
+          <a:xfrm>
+            <a:off x="6096000" y="3311526"/>
+            <a:ext cx="952500" cy="952500"/>
+          </a:xfrm>
+          <a:prstGeom prst="rect">
+            <a:avLst/>
+          </a:prstGeom>
+        </p:spPr>
+      </p:pic>
+      <p:pic>
+        <p:nvPicPr>
+          <p:cNvPr id="6" name="Picture 5" descr="A picture containing invertebrate, animal, arthropod&#10;&#10;Description generated with high confidence">
+            <a:extLst>
+              <a:ext uri="{FF2B5EF4-FFF2-40B4-BE49-F238E27FC236}">
+                <a16:creationId xmlns:a16="http://schemas.microsoft.com/office/drawing/2014/main" id="{29A054A8-7152-488E-89DA-43AE296C5C5E}"/>
+              </a:ext>
+            </a:extLst>
+          </p:cNvPr>
+          <p:cNvPicPr>
+            <a:picLocks noChangeAspect="1"/>
+          </p:cNvPicPr>
+          <p:nvPr/>
+        </p:nvPicPr>
+        <p:blipFill>
+          <a:blip r:embed="rId4">
+            <a:extLst>
+              <a:ext uri="{28A0092B-C50C-407E-A947-70E740481C1C}">
+                <a14:useLocalDpi xmlns:a14="http://schemas.microsoft.com/office/drawing/2010/main" val="0"/>
+              </a:ext>
+            </a:extLst>
+          </a:blip>
+          <a:stretch>
+            <a:fillRect/>
+          </a:stretch>
+        </p:blipFill>
+        <p:spPr>
+          <a:xfrm>
+            <a:off x="4895848" y="4573588"/>
+            <a:ext cx="952500" cy="952500"/>
+          </a:xfrm>
+          <a:prstGeom prst="rect">
+            <a:avLst/>
+          </a:prstGeom>
+        </p:spPr>
+      </p:pic>
+      <p:pic>
+        <p:nvPicPr>
+          <p:cNvPr id="7" name="Picture 6" descr="A close up of an animal&#10;&#10;Description generated with high confidence">
+            <a:extLst>
+              <a:ext uri="{FF2B5EF4-FFF2-40B4-BE49-F238E27FC236}">
+                <a16:creationId xmlns:a16="http://schemas.microsoft.com/office/drawing/2014/main" id="{DC653732-2945-4AA7-9DA8-4B323B35BEDD}"/>
+              </a:ext>
+            </a:extLst>
+          </p:cNvPr>
+          <p:cNvPicPr>
+            <a:picLocks noChangeAspect="1"/>
+          </p:cNvPicPr>
+          <p:nvPr/>
+        </p:nvPicPr>
+        <p:blipFill>
+          <a:blip r:embed="rId5">
+            <a:extLst>
+              <a:ext uri="{28A0092B-C50C-407E-A947-70E740481C1C}">
+                <a14:useLocalDpi xmlns:a14="http://schemas.microsoft.com/office/drawing/2010/main" val="0"/>
+              </a:ext>
+            </a:extLst>
+          </a:blip>
+          <a:stretch>
+            <a:fillRect/>
+          </a:stretch>
+        </p:blipFill>
+        <p:spPr>
+          <a:xfrm>
+            <a:off x="6096000" y="4573588"/>
+            <a:ext cx="952500" cy="952500"/>
+          </a:xfrm>
+          <a:prstGeom prst="rect">
+            <a:avLst/>
+          </a:prstGeom>
+        </p:spPr>
+      </p:pic>
+      <p:pic>
+        <p:nvPicPr>
+          <p:cNvPr id="8" name="Picture 7" descr="A picture containing cat&#10;&#10;Description generated with very high confidence">
+            <a:extLst>
+              <a:ext uri="{FF2B5EF4-FFF2-40B4-BE49-F238E27FC236}">
+                <a16:creationId xmlns:a16="http://schemas.microsoft.com/office/drawing/2014/main" id="{0E6C2B75-90E9-41F7-ABEC-099AB12A6223}"/>
+              </a:ext>
+            </a:extLst>
+          </p:cNvPr>
+          <p:cNvPicPr>
+            <a:picLocks noChangeAspect="1"/>
+          </p:cNvPicPr>
+          <p:nvPr/>
+        </p:nvPicPr>
+        <p:blipFill>
+          <a:blip r:embed="rId6">
+            <a:extLst>
+              <a:ext uri="{28A0092B-C50C-407E-A947-70E740481C1C}">
+                <a14:useLocalDpi xmlns:a14="http://schemas.microsoft.com/office/drawing/2010/main" val="0"/>
+              </a:ext>
+            </a:extLst>
+          </a:blip>
+          <a:stretch>
+            <a:fillRect/>
+          </a:stretch>
+        </p:blipFill>
+        <p:spPr>
+          <a:xfrm>
+            <a:off x="4895848" y="5835650"/>
+            <a:ext cx="952500" cy="952500"/>
+          </a:xfrm>
+          <a:prstGeom prst="rect">
+            <a:avLst/>
+          </a:prstGeom>
+        </p:spPr>
+      </p:pic>
+      <p:pic>
+        <p:nvPicPr>
+          <p:cNvPr id="9" name="Picture 8" descr="A picture containing indoor, animal&#10;&#10;Description generated with high confidence">
+            <a:extLst>
+              <a:ext uri="{FF2B5EF4-FFF2-40B4-BE49-F238E27FC236}">
+                <a16:creationId xmlns:a16="http://schemas.microsoft.com/office/drawing/2014/main" id="{682ED9ED-62F5-42F2-B272-ECE420B1F667}"/>
+              </a:ext>
+            </a:extLst>
+          </p:cNvPr>
+          <p:cNvPicPr>
+            <a:picLocks noChangeAspect="1"/>
+          </p:cNvPicPr>
+          <p:nvPr/>
+        </p:nvPicPr>
+        <p:blipFill>
+          <a:blip r:embed="rId7">
+            <a:extLst>
+              <a:ext uri="{28A0092B-C50C-407E-A947-70E740481C1C}">
+                <a14:useLocalDpi xmlns:a14="http://schemas.microsoft.com/office/drawing/2010/main" val="0"/>
+              </a:ext>
+            </a:extLst>
+          </a:blip>
+          <a:stretch>
+            <a:fillRect/>
+          </a:stretch>
+        </p:blipFill>
+        <p:spPr>
+          <a:xfrm>
+            <a:off x="6096000" y="5835650"/>
+            <a:ext cx="952500" cy="952500"/>
+          </a:xfrm>
+          <a:prstGeom prst="rect">
+            <a:avLst/>
+          </a:prstGeom>
+        </p:spPr>
+      </p:pic>
+      <p:sp>
+        <p:nvSpPr>
+          <p:cNvPr id="10" name="TextBox 9">
+            <a:extLst>
+              <a:ext uri="{FF2B5EF4-FFF2-40B4-BE49-F238E27FC236}">
+                <a16:creationId xmlns:a16="http://schemas.microsoft.com/office/drawing/2014/main" id="{743C588E-896D-4955-85E2-7BF77E2C34E2}"/>
+              </a:ext>
+            </a:extLst>
+          </p:cNvPr>
+          <p:cNvSpPr txBox="1"/>
+          <p:nvPr/>
+        </p:nvSpPr>
+        <p:spPr>
+          <a:xfrm>
+            <a:off x="4895848" y="4214297"/>
+            <a:ext cx="2152652" cy="369331"/>
+          </a:xfrm>
+          <a:prstGeom prst="rect">
+            <a:avLst/>
+          </a:prstGeom>
+          <a:noFill/>
+        </p:spPr>
+        <p:txBody>
+          <a:bodyPr wrap="square" rtlCol="0">
+            <a:spAutoFit/>
+          </a:bodyPr>
+          <a:lstStyle/>
+          <a:p>
+            <a:r>
+              <a:rPr lang="en-US" dirty="0"/>
+              <a:t>   23.10%        29.16%</a:t>
+            </a:r>
+            <a:endParaRPr lang="en-IN" dirty="0"/>
+          </a:p>
+        </p:txBody>
+      </p:sp>
+      <p:sp>
+        <p:nvSpPr>
+          <p:cNvPr id="11" name="TextBox 10">
+            <a:extLst>
+              <a:ext uri="{FF2B5EF4-FFF2-40B4-BE49-F238E27FC236}">
+                <a16:creationId xmlns:a16="http://schemas.microsoft.com/office/drawing/2014/main" id="{A8C209CA-D928-40D2-9710-699269398305}"/>
+              </a:ext>
+            </a:extLst>
+          </p:cNvPr>
+          <p:cNvSpPr txBox="1"/>
+          <p:nvPr/>
+        </p:nvSpPr>
+        <p:spPr>
+          <a:xfrm>
+            <a:off x="4895848" y="5462350"/>
+            <a:ext cx="2152652" cy="369331"/>
+          </a:xfrm>
+          <a:prstGeom prst="rect">
+            <a:avLst/>
+          </a:prstGeom>
+          <a:noFill/>
+        </p:spPr>
+        <p:txBody>
+          <a:bodyPr wrap="square" rtlCol="0">
+            <a:spAutoFit/>
+          </a:bodyPr>
+          <a:lstStyle/>
+          <a:p>
+            <a:r>
+              <a:rPr lang="en-US" dirty="0"/>
+              <a:t>   22.96%        27.55%</a:t>
+            </a:r>
+            <a:endParaRPr lang="en-IN" dirty="0"/>
+          </a:p>
+        </p:txBody>
+      </p:sp>
+      <p:sp>
+        <p:nvSpPr>
+          <p:cNvPr id="12" name="TextBox 11">
+            <a:extLst>
+              <a:ext uri="{FF2B5EF4-FFF2-40B4-BE49-F238E27FC236}">
+                <a16:creationId xmlns:a16="http://schemas.microsoft.com/office/drawing/2014/main" id="{D45D28C9-9B11-4ED1-ABE5-07BE35A8B92C}"/>
+              </a:ext>
+            </a:extLst>
+          </p:cNvPr>
+          <p:cNvSpPr txBox="1"/>
+          <p:nvPr/>
+        </p:nvSpPr>
+        <p:spPr>
+          <a:xfrm>
+            <a:off x="7029449" y="6412351"/>
+            <a:ext cx="2152652" cy="369331"/>
+          </a:xfrm>
+          <a:prstGeom prst="rect">
+            <a:avLst/>
+          </a:prstGeom>
+          <a:noFill/>
+        </p:spPr>
+        <p:txBody>
+          <a:bodyPr wrap="square" rtlCol="0">
+            <a:spAutoFit/>
+          </a:bodyPr>
+          <a:lstStyle/>
+          <a:p>
+            <a:r>
+              <a:rPr lang="en-US" dirty="0"/>
+              <a:t>   19.14%        23.39%</a:t>
+            </a:r>
+            <a:endParaRPr lang="en-IN" dirty="0"/>
+          </a:p>
+        </p:txBody>
+      </p:sp>
+    </p:spTree>
+    <p:extLst>
+      <p:ext uri="{BB962C8B-B14F-4D97-AF65-F5344CB8AC3E}">
+        <p14:creationId xmlns:p14="http://schemas.microsoft.com/office/powerpoint/2010/main" val="1400225823"/>
+      </p:ext>
+    </p:extLst>
+  </p:cSld>
+  <p:clrMapOvr>
+    <a:masterClrMapping/>
+  </p:clrMapOvr>
+</p:sld>
+</file>
+
+<file path=ppt/slides/slide3.xml><?xml version="1.0" encoding="utf-8"?>
+<p:sld xmlns:a="http://schemas.openxmlformats.org/drawingml/2006/main" xmlns:r="http://schemas.openxmlformats.org/officeDocument/2006/relationships" xmlns:p="http://schemas.openxmlformats.org/presentationml/2006/main">
+  <p:cSld>
+    <p:spTree>
+      <p:nvGrpSpPr>
+        <p:cNvPr id="1" name=""/>
+        <p:cNvGrpSpPr/>
+        <p:nvPr/>
+      </p:nvGrpSpPr>
+      <p:grpSpPr>
+        <a:xfrm>
+          <a:off x="0" y="0"/>
+          <a:ext cx="0" cy="0"/>
+          <a:chOff x="0" y="0"/>
+          <a:chExt cx="0" cy="0"/>
+        </a:xfrm>
+      </p:grpSpPr>
+      <p:sp>
+        <p:nvSpPr>
+          <p:cNvPr id="2" name="Title 1">
+            <a:extLst>
+              <a:ext uri="{FF2B5EF4-FFF2-40B4-BE49-F238E27FC236}">
+                <a16:creationId xmlns:a16="http://schemas.microsoft.com/office/drawing/2014/main" id="{CDF5AA99-67ED-4F01-B2FA-F4D2D388F984}"/>
+              </a:ext>
+            </a:extLst>
+          </p:cNvPr>
+          <p:cNvSpPr>
+            <a:spLocks noGrp="1"/>
+          </p:cNvSpPr>
+          <p:nvPr>
+            <p:ph type="title"/>
+          </p:nvPr>
+        </p:nvSpPr>
+        <p:spPr/>
+        <p:txBody>
+          <a:bodyPr/>
+          <a:lstStyle/>
+          <a:p>
+            <a:r>
+              <a:rPr lang="en-US" dirty="0"/>
+              <a:t>Reconstruction using DCT basis</a:t>
+            </a:r>
+            <a:endParaRPr lang="en-IN" dirty="0"/>
+          </a:p>
+        </p:txBody>
+      </p:sp>
+      <p:sp>
+        <p:nvSpPr>
+          <p:cNvPr id="3" name="Content Placeholder 2">
+            <a:extLst>
+              <a:ext uri="{FF2B5EF4-FFF2-40B4-BE49-F238E27FC236}">
+                <a16:creationId xmlns:a16="http://schemas.microsoft.com/office/drawing/2014/main" id="{9F11E205-D83C-4BCF-B272-79F9B52FF44D}"/>
+              </a:ext>
+            </a:extLst>
+          </p:cNvPr>
+          <p:cNvSpPr>
+            <a:spLocks noGrp="1"/>
+          </p:cNvSpPr>
+          <p:nvPr>
+            <p:ph idx="1"/>
+          </p:nvPr>
+        </p:nvSpPr>
+        <p:spPr/>
+        <p:txBody>
+          <a:bodyPr/>
+          <a:lstStyle/>
+          <a:p>
+            <a:r>
+              <a:rPr lang="en-US" dirty="0"/>
+              <a:t>2 classes</a:t>
+            </a:r>
+          </a:p>
+          <a:p>
+            <a:r>
+              <a:rPr lang="en-US" dirty="0"/>
+              <a:t>15, 20, 25 percent noise</a:t>
+            </a:r>
+          </a:p>
+          <a:p>
+            <a:r>
+              <a:rPr lang="en-US" dirty="0"/>
+              <a:t>No of projections – 30000</a:t>
+            </a:r>
+            <a:endParaRPr lang="en-IN" dirty="0"/>
+          </a:p>
+        </p:txBody>
+      </p:sp>
+      <p:pic>
+        <p:nvPicPr>
+          <p:cNvPr id="11" name="Picture 10" descr="A picture containing cat&#10;&#10;Description generated with very high confidence">
+            <a:extLst>
+              <a:ext uri="{FF2B5EF4-FFF2-40B4-BE49-F238E27FC236}">
+                <a16:creationId xmlns:a16="http://schemas.microsoft.com/office/drawing/2014/main" id="{09DBE4A7-B2B3-44B5-BA4B-134FF0BF507E}"/>
+              </a:ext>
+            </a:extLst>
+          </p:cNvPr>
+          <p:cNvPicPr>
+            <a:picLocks noChangeAspect="1"/>
+          </p:cNvPicPr>
+          <p:nvPr/>
+        </p:nvPicPr>
+        <p:blipFill>
+          <a:blip r:embed="rId2">
+            <a:extLst>
+              <a:ext uri="{28A0092B-C50C-407E-A947-70E740481C1C}">
+                <a14:useLocalDpi xmlns:a14="http://schemas.microsoft.com/office/drawing/2010/main" val="0"/>
+              </a:ext>
+            </a:extLst>
+          </a:blip>
+          <a:stretch>
+            <a:fillRect/>
+          </a:stretch>
+        </p:blipFill>
+        <p:spPr>
+          <a:xfrm>
+            <a:off x="5019675" y="3288506"/>
+            <a:ext cx="952500" cy="952500"/>
+          </a:xfrm>
+          <a:prstGeom prst="rect">
+            <a:avLst/>
+          </a:prstGeom>
+        </p:spPr>
+      </p:pic>
+      <p:pic>
+        <p:nvPicPr>
+          <p:cNvPr id="13" name="Picture 12" descr="A picture containing indoor, animal&#10;&#10;Description generated with high confidence">
+            <a:extLst>
+              <a:ext uri="{FF2B5EF4-FFF2-40B4-BE49-F238E27FC236}">
+                <a16:creationId xmlns:a16="http://schemas.microsoft.com/office/drawing/2014/main" id="{017609F1-DB8F-4A14-9BC6-47DC6DD81216}"/>
+              </a:ext>
+            </a:extLst>
+          </p:cNvPr>
+          <p:cNvPicPr>
+            <a:picLocks noChangeAspect="1"/>
+          </p:cNvPicPr>
+          <p:nvPr/>
+        </p:nvPicPr>
+        <p:blipFill>
+          <a:blip r:embed="rId3">
+            <a:extLst>
+              <a:ext uri="{28A0092B-C50C-407E-A947-70E740481C1C}">
+                <a14:useLocalDpi xmlns:a14="http://schemas.microsoft.com/office/drawing/2010/main" val="0"/>
+              </a:ext>
+            </a:extLst>
+          </a:blip>
+          <a:stretch>
+            <a:fillRect/>
+          </a:stretch>
+        </p:blipFill>
+        <p:spPr>
+          <a:xfrm>
+            <a:off x="6219826" y="3288506"/>
+            <a:ext cx="952500" cy="952500"/>
+          </a:xfrm>
+          <a:prstGeom prst="rect">
+            <a:avLst/>
+          </a:prstGeom>
+        </p:spPr>
+      </p:pic>
+      <p:pic>
+        <p:nvPicPr>
+          <p:cNvPr id="15" name="Picture 14" descr="A picture containing animal, invertebrate, white&#10;&#10;Description generated with high confidence">
+            <a:extLst>
+              <a:ext uri="{FF2B5EF4-FFF2-40B4-BE49-F238E27FC236}">
+                <a16:creationId xmlns:a16="http://schemas.microsoft.com/office/drawing/2014/main" id="{1B95AE4F-11FE-4F80-A180-80454D2C16B5}"/>
+              </a:ext>
+            </a:extLst>
+          </p:cNvPr>
+          <p:cNvPicPr>
+            <a:picLocks noChangeAspect="1"/>
+          </p:cNvPicPr>
+          <p:nvPr/>
+        </p:nvPicPr>
+        <p:blipFill>
+          <a:blip r:embed="rId4">
+            <a:extLst>
+              <a:ext uri="{28A0092B-C50C-407E-A947-70E740481C1C}">
+                <a14:useLocalDpi xmlns:a14="http://schemas.microsoft.com/office/drawing/2010/main" val="0"/>
+              </a:ext>
+            </a:extLst>
+          </a:blip>
+          <a:stretch>
+            <a:fillRect/>
+          </a:stretch>
+        </p:blipFill>
+        <p:spPr>
+          <a:xfrm>
+            <a:off x="5019674" y="4564856"/>
+            <a:ext cx="952500" cy="952500"/>
+          </a:xfrm>
+          <a:prstGeom prst="rect">
+            <a:avLst/>
+          </a:prstGeom>
+        </p:spPr>
+      </p:pic>
+      <p:pic>
+        <p:nvPicPr>
+          <p:cNvPr id="17" name="Picture 16" descr="A close up of a cat&#10;&#10;Description generated with high confidence">
+            <a:extLst>
+              <a:ext uri="{FF2B5EF4-FFF2-40B4-BE49-F238E27FC236}">
+                <a16:creationId xmlns:a16="http://schemas.microsoft.com/office/drawing/2014/main" id="{141996FB-7921-4BC3-AA15-1A246F7FDE0E}"/>
+              </a:ext>
+            </a:extLst>
+          </p:cNvPr>
+          <p:cNvPicPr>
+            <a:picLocks noChangeAspect="1"/>
+          </p:cNvPicPr>
+          <p:nvPr/>
+        </p:nvPicPr>
+        <p:blipFill>
+          <a:blip r:embed="rId5">
+            <a:extLst>
+              <a:ext uri="{28A0092B-C50C-407E-A947-70E740481C1C}">
+                <a14:useLocalDpi xmlns:a14="http://schemas.microsoft.com/office/drawing/2010/main" val="0"/>
+              </a:ext>
+            </a:extLst>
+          </a:blip>
+          <a:stretch>
+            <a:fillRect/>
+          </a:stretch>
+        </p:blipFill>
+        <p:spPr>
+          <a:xfrm>
+            <a:off x="6219826" y="4572933"/>
+            <a:ext cx="952500" cy="952500"/>
+          </a:xfrm>
+          <a:prstGeom prst="rect">
+            <a:avLst/>
+          </a:prstGeom>
+        </p:spPr>
+      </p:pic>
+      <p:pic>
+        <p:nvPicPr>
+          <p:cNvPr id="19" name="Picture 18" descr="A picture containing sitting&#10;&#10;Description generated with high confidence">
+            <a:extLst>
+              <a:ext uri="{FF2B5EF4-FFF2-40B4-BE49-F238E27FC236}">
+                <a16:creationId xmlns:a16="http://schemas.microsoft.com/office/drawing/2014/main" id="{CC5E5BA7-CD55-431E-924F-AE44C706A7BC}"/>
+              </a:ext>
+            </a:extLst>
+          </p:cNvPr>
+          <p:cNvPicPr>
+            <a:picLocks noChangeAspect="1"/>
+          </p:cNvPicPr>
+          <p:nvPr/>
+        </p:nvPicPr>
+        <p:blipFill>
+          <a:blip r:embed="rId6">
+            <a:extLst>
+              <a:ext uri="{28A0092B-C50C-407E-A947-70E740481C1C}">
+                <a14:useLocalDpi xmlns:a14="http://schemas.microsoft.com/office/drawing/2010/main" val="0"/>
+              </a:ext>
+            </a:extLst>
+          </a:blip>
+          <a:stretch>
+            <a:fillRect/>
+          </a:stretch>
+        </p:blipFill>
+        <p:spPr>
+          <a:xfrm>
+            <a:off x="5019674" y="5854352"/>
+            <a:ext cx="952500" cy="952500"/>
+          </a:xfrm>
+          <a:prstGeom prst="rect">
+            <a:avLst/>
+          </a:prstGeom>
+        </p:spPr>
+      </p:pic>
+      <p:pic>
+        <p:nvPicPr>
+          <p:cNvPr id="21" name="Picture 20" descr="A picture containing cat&#10;&#10;Description generated with high confidence">
+            <a:extLst>
+              <a:ext uri="{FF2B5EF4-FFF2-40B4-BE49-F238E27FC236}">
+                <a16:creationId xmlns:a16="http://schemas.microsoft.com/office/drawing/2014/main" id="{20B89592-57F9-491E-A8F1-A561F38DF031}"/>
+              </a:ext>
+            </a:extLst>
+          </p:cNvPr>
+          <p:cNvPicPr>
+            <a:picLocks noChangeAspect="1"/>
+          </p:cNvPicPr>
+          <p:nvPr/>
+        </p:nvPicPr>
+        <p:blipFill>
+          <a:blip r:embed="rId7">
+            <a:extLst>
+              <a:ext uri="{28A0092B-C50C-407E-A947-70E740481C1C}">
+                <a14:useLocalDpi xmlns:a14="http://schemas.microsoft.com/office/drawing/2010/main" val="0"/>
+              </a:ext>
+            </a:extLst>
+          </a:blip>
+          <a:stretch>
+            <a:fillRect/>
+          </a:stretch>
+        </p:blipFill>
+        <p:spPr>
+          <a:xfrm>
+            <a:off x="6219826" y="5854352"/>
+            <a:ext cx="952500" cy="952500"/>
+          </a:xfrm>
+          <a:prstGeom prst="rect">
+            <a:avLst/>
+          </a:prstGeom>
+        </p:spPr>
+      </p:pic>
+      <p:sp>
+        <p:nvSpPr>
+          <p:cNvPr id="23" name="TextBox 22">
+            <a:extLst>
+              <a:ext uri="{FF2B5EF4-FFF2-40B4-BE49-F238E27FC236}">
+                <a16:creationId xmlns:a16="http://schemas.microsoft.com/office/drawing/2014/main" id="{659830D2-2147-423C-BF6E-5272C7121107}"/>
+              </a:ext>
+            </a:extLst>
+          </p:cNvPr>
+          <p:cNvSpPr txBox="1"/>
+          <p:nvPr/>
+        </p:nvSpPr>
+        <p:spPr>
+          <a:xfrm>
+            <a:off x="5019672" y="4191277"/>
+            <a:ext cx="2152652" cy="369331"/>
+          </a:xfrm>
+          <a:prstGeom prst="rect">
+            <a:avLst/>
+          </a:prstGeom>
+          <a:noFill/>
+        </p:spPr>
+        <p:txBody>
+          <a:bodyPr wrap="square" rtlCol="0">
+            <a:spAutoFit/>
+          </a:bodyPr>
+          <a:lstStyle/>
+          <a:p>
+            <a:r>
+              <a:rPr lang="en-US" dirty="0"/>
+              <a:t>  19.14%         23.39%</a:t>
+            </a:r>
+            <a:endParaRPr lang="en-IN" dirty="0"/>
+          </a:p>
+        </p:txBody>
+      </p:sp>
+      <p:sp>
+        <p:nvSpPr>
+          <p:cNvPr id="24" name="TextBox 23">
+            <a:extLst>
+              <a:ext uri="{FF2B5EF4-FFF2-40B4-BE49-F238E27FC236}">
+                <a16:creationId xmlns:a16="http://schemas.microsoft.com/office/drawing/2014/main" id="{1A143307-D3D5-477C-80D1-779B842CA795}"/>
+              </a:ext>
+            </a:extLst>
+          </p:cNvPr>
+          <p:cNvSpPr txBox="1"/>
+          <p:nvPr/>
+        </p:nvSpPr>
+        <p:spPr>
+          <a:xfrm>
+            <a:off x="5019672" y="5463379"/>
+            <a:ext cx="2152652" cy="369331"/>
+          </a:xfrm>
+          <a:prstGeom prst="rect">
+            <a:avLst/>
+          </a:prstGeom>
+          <a:noFill/>
+        </p:spPr>
+        <p:txBody>
+          <a:bodyPr wrap="square" rtlCol="0">
+            <a:spAutoFit/>
+          </a:bodyPr>
+          <a:lstStyle/>
+          <a:p>
+            <a:r>
+              <a:rPr lang="en-US" dirty="0"/>
+              <a:t>  22.83%         26.04%</a:t>
+            </a:r>
+            <a:endParaRPr lang="en-IN" dirty="0"/>
+          </a:p>
+        </p:txBody>
+      </p:sp>
+      <p:sp>
+        <p:nvSpPr>
+          <p:cNvPr id="25" name="TextBox 24">
+            <a:extLst>
+              <a:ext uri="{FF2B5EF4-FFF2-40B4-BE49-F238E27FC236}">
+                <a16:creationId xmlns:a16="http://schemas.microsoft.com/office/drawing/2014/main" id="{01DA81A6-942A-49CF-84E5-4734B7604A19}"/>
+              </a:ext>
+            </a:extLst>
+          </p:cNvPr>
+          <p:cNvSpPr txBox="1"/>
+          <p:nvPr/>
+        </p:nvSpPr>
+        <p:spPr>
+          <a:xfrm>
+            <a:off x="7110411" y="6443683"/>
+            <a:ext cx="2152652" cy="369331"/>
+          </a:xfrm>
+          <a:prstGeom prst="rect">
+            <a:avLst/>
+          </a:prstGeom>
+          <a:noFill/>
+        </p:spPr>
+        <p:txBody>
+          <a:bodyPr wrap="square" rtlCol="0">
+            <a:spAutoFit/>
+          </a:bodyPr>
+          <a:lstStyle/>
+          <a:p>
+            <a:r>
+              <a:rPr lang="en-US" dirty="0"/>
+              <a:t>  23.99%         27.98%</a:t>
+            </a:r>
+            <a:endParaRPr lang="en-IN" dirty="0"/>
+          </a:p>
+        </p:txBody>
+      </p:sp>
+    </p:spTree>
+    <p:extLst>
+      <p:ext uri="{BB962C8B-B14F-4D97-AF65-F5344CB8AC3E}">
+        <p14:creationId xmlns:p14="http://schemas.microsoft.com/office/powerpoint/2010/main" val="1378007590"/>
+      </p:ext>
+    </p:extLst>
+  </p:cSld>
+  <p:clrMapOvr>
+    <a:masterClrMapping/>
+  </p:clrMapOvr>
+</p:sld>
+</file>
+
+<file path=ppt/slides/slide4.xml><?xml version="1.0" encoding="utf-8"?>
+<p:sld xmlns:a="http://schemas.openxmlformats.org/drawingml/2006/main" xmlns:r="http://schemas.openxmlformats.org/officeDocument/2006/relationships" xmlns:p="http://schemas.openxmlformats.org/presentationml/2006/main">
+  <p:cSld>
+    <p:spTree>
+      <p:nvGrpSpPr>
+        <p:cNvPr id="1" name=""/>
+        <p:cNvGrpSpPr/>
+        <p:nvPr/>
+      </p:nvGrpSpPr>
+      <p:grpSpPr>
+        <a:xfrm>
+          <a:off x="0" y="0"/>
+          <a:ext cx="0" cy="0"/>
+          <a:chOff x="0" y="0"/>
+          <a:chExt cx="0" cy="0"/>
+        </a:xfrm>
+      </p:grpSpPr>
+      <p:sp>
+        <p:nvSpPr>
+          <p:cNvPr id="2" name="Title 1">
+            <a:extLst>
+              <a:ext uri="{FF2B5EF4-FFF2-40B4-BE49-F238E27FC236}">
+                <a16:creationId xmlns:a16="http://schemas.microsoft.com/office/drawing/2014/main" id="{CDF5AA99-67ED-4F01-B2FA-F4D2D388F984}"/>
+              </a:ext>
+            </a:extLst>
+          </p:cNvPr>
+          <p:cNvSpPr>
+            <a:spLocks noGrp="1"/>
+          </p:cNvSpPr>
+          <p:nvPr>
+            <p:ph type="title"/>
+          </p:nvPr>
+        </p:nvSpPr>
+        <p:spPr/>
+        <p:txBody>
+          <a:bodyPr/>
+          <a:lstStyle/>
+          <a:p>
+            <a:r>
+              <a:rPr lang="en-US" dirty="0"/>
+              <a:t>Reconstruction using DCT basis</a:t>
+            </a:r>
+            <a:endParaRPr lang="en-IN" dirty="0"/>
+          </a:p>
+        </p:txBody>
+      </p:sp>
+      <p:sp>
+        <p:nvSpPr>
+          <p:cNvPr id="3" name="Content Placeholder 2">
+            <a:extLst>
+              <a:ext uri="{FF2B5EF4-FFF2-40B4-BE49-F238E27FC236}">
+                <a16:creationId xmlns:a16="http://schemas.microsoft.com/office/drawing/2014/main" id="{9F11E205-D83C-4BCF-B272-79F9B52FF44D}"/>
+              </a:ext>
+            </a:extLst>
+          </p:cNvPr>
+          <p:cNvSpPr>
+            <a:spLocks noGrp="1"/>
+          </p:cNvSpPr>
+          <p:nvPr>
+            <p:ph idx="1"/>
+          </p:nvPr>
+        </p:nvSpPr>
+        <p:spPr/>
+        <p:txBody>
+          <a:bodyPr/>
+          <a:lstStyle/>
+          <a:p>
+            <a:r>
+              <a:rPr lang="en-US" dirty="0"/>
+              <a:t>3 classes</a:t>
+            </a:r>
+          </a:p>
+          <a:p>
+            <a:r>
+              <a:rPr lang="en-US" dirty="0"/>
+              <a:t>15 percent noise</a:t>
+            </a:r>
+          </a:p>
+          <a:p>
+            <a:r>
+              <a:rPr lang="en-US" dirty="0"/>
+              <a:t>No of projections – 20000, 25000, 30000</a:t>
+            </a:r>
+            <a:endParaRPr lang="en-IN" dirty="0"/>
+          </a:p>
+        </p:txBody>
+      </p:sp>
+      <p:pic>
+        <p:nvPicPr>
+          <p:cNvPr id="5" name="Picture 4" descr="A close up of a person&#10;&#10;Description generated with high confidence">
+            <a:extLst>
+              <a:ext uri="{FF2B5EF4-FFF2-40B4-BE49-F238E27FC236}">
+                <a16:creationId xmlns:a16="http://schemas.microsoft.com/office/drawing/2014/main" id="{1CAA4890-4E49-403A-82F7-8077A46322AB}"/>
+              </a:ext>
+            </a:extLst>
+          </p:cNvPr>
+          <p:cNvPicPr>
+            <a:picLocks noChangeAspect="1"/>
+          </p:cNvPicPr>
+          <p:nvPr/>
+        </p:nvPicPr>
+        <p:blipFill>
+          <a:blip r:embed="rId2">
+            <a:extLst>
+              <a:ext uri="{28A0092B-C50C-407E-A947-70E740481C1C}">
+                <a14:useLocalDpi xmlns:a14="http://schemas.microsoft.com/office/drawing/2010/main" val="0"/>
+              </a:ext>
+            </a:extLst>
+          </a:blip>
+          <a:stretch>
+            <a:fillRect/>
+          </a:stretch>
+        </p:blipFill>
+        <p:spPr>
+          <a:xfrm>
+            <a:off x="7400925" y="3429000"/>
+            <a:ext cx="952500" cy="952500"/>
+          </a:xfrm>
+          <a:prstGeom prst="rect">
+            <a:avLst/>
+          </a:prstGeom>
+        </p:spPr>
+      </p:pic>
+      <p:pic>
+        <p:nvPicPr>
+          <p:cNvPr id="7" name="Picture 6" descr="A close up of an animal&#10;&#10;Description generated with high confidence">
+            <a:extLst>
+              <a:ext uri="{FF2B5EF4-FFF2-40B4-BE49-F238E27FC236}">
+                <a16:creationId xmlns:a16="http://schemas.microsoft.com/office/drawing/2014/main" id="{4956A550-FE75-4F48-A77C-0ED7D06B5049}"/>
+              </a:ext>
+            </a:extLst>
+          </p:cNvPr>
+          <p:cNvPicPr>
+            <a:picLocks noChangeAspect="1"/>
+          </p:cNvPicPr>
+          <p:nvPr/>
+        </p:nvPicPr>
+        <p:blipFill>
+          <a:blip r:embed="rId3">
+            <a:extLst>
+              <a:ext uri="{28A0092B-C50C-407E-A947-70E740481C1C}">
+                <a14:useLocalDpi xmlns:a14="http://schemas.microsoft.com/office/drawing/2010/main" val="0"/>
+              </a:ext>
+            </a:extLst>
+          </a:blip>
+          <a:stretch>
+            <a:fillRect/>
+          </a:stretch>
+        </p:blipFill>
+        <p:spPr>
+          <a:xfrm>
+            <a:off x="5619750" y="3429000"/>
+            <a:ext cx="952500" cy="952500"/>
+          </a:xfrm>
+          <a:prstGeom prst="rect">
+            <a:avLst/>
+          </a:prstGeom>
+        </p:spPr>
+      </p:pic>
+      <p:pic>
+        <p:nvPicPr>
+          <p:cNvPr id="9" name="Picture 8" descr="A picture containing animal, invertebrate&#10;&#10;Description generated with very high confidence">
+            <a:extLst>
+              <a:ext uri="{FF2B5EF4-FFF2-40B4-BE49-F238E27FC236}">
+                <a16:creationId xmlns:a16="http://schemas.microsoft.com/office/drawing/2014/main" id="{F2C30DF4-BF36-4451-BBAF-D6FC5FB8E212}"/>
+              </a:ext>
+            </a:extLst>
+          </p:cNvPr>
+          <p:cNvPicPr>
+            <a:picLocks noChangeAspect="1"/>
+          </p:cNvPicPr>
+          <p:nvPr/>
+        </p:nvPicPr>
+        <p:blipFill>
+          <a:blip r:embed="rId4">
+            <a:extLst>
+              <a:ext uri="{28A0092B-C50C-407E-A947-70E740481C1C}">
+                <a14:useLocalDpi xmlns:a14="http://schemas.microsoft.com/office/drawing/2010/main" val="0"/>
+              </a:ext>
+            </a:extLst>
+          </a:blip>
+          <a:stretch>
+            <a:fillRect/>
+          </a:stretch>
+        </p:blipFill>
+        <p:spPr>
+          <a:xfrm>
+            <a:off x="3833813" y="3429000"/>
+            <a:ext cx="952500" cy="952500"/>
+          </a:xfrm>
+          <a:prstGeom prst="rect">
+            <a:avLst/>
+          </a:prstGeom>
+        </p:spPr>
+      </p:pic>
+      <p:pic>
+        <p:nvPicPr>
+          <p:cNvPr id="12" name="Picture 11" descr="A picture containing animal&#10;&#10;Description generated with high confidence">
+            <a:extLst>
+              <a:ext uri="{FF2B5EF4-FFF2-40B4-BE49-F238E27FC236}">
+                <a16:creationId xmlns:a16="http://schemas.microsoft.com/office/drawing/2014/main" id="{F9ADD3B9-BFD8-4C1F-942F-3B4AA5740974}"/>
+              </a:ext>
+            </a:extLst>
+          </p:cNvPr>
+          <p:cNvPicPr>
+            <a:picLocks noChangeAspect="1"/>
+          </p:cNvPicPr>
+          <p:nvPr/>
+        </p:nvPicPr>
+        <p:blipFill>
+          <a:blip r:embed="rId5">
+            <a:extLst>
+              <a:ext uri="{28A0092B-C50C-407E-A947-70E740481C1C}">
+                <a14:useLocalDpi xmlns:a14="http://schemas.microsoft.com/office/drawing/2010/main" val="0"/>
+              </a:ext>
+            </a:extLst>
+          </a:blip>
+          <a:stretch>
+            <a:fillRect/>
+          </a:stretch>
+        </p:blipFill>
+        <p:spPr>
+          <a:xfrm>
+            <a:off x="7400925" y="4608830"/>
+            <a:ext cx="952500" cy="952500"/>
+          </a:xfrm>
+          <a:prstGeom prst="rect">
+            <a:avLst/>
+          </a:prstGeom>
+        </p:spPr>
+      </p:pic>
+      <p:pic>
+        <p:nvPicPr>
+          <p:cNvPr id="16" name="Picture 15" descr="A picture containing indoor, animal&#10;&#10;Description generated with high confidence">
+            <a:extLst>
+              <a:ext uri="{FF2B5EF4-FFF2-40B4-BE49-F238E27FC236}">
+                <a16:creationId xmlns:a16="http://schemas.microsoft.com/office/drawing/2014/main" id="{4DDC9B77-E6C9-4503-AA0A-842FE048CE58}"/>
+              </a:ext>
+            </a:extLst>
+          </p:cNvPr>
+          <p:cNvPicPr>
+            <a:picLocks noChangeAspect="1"/>
+          </p:cNvPicPr>
+          <p:nvPr/>
+        </p:nvPicPr>
+        <p:blipFill>
+          <a:blip r:embed="rId6">
+            <a:extLst>
+              <a:ext uri="{28A0092B-C50C-407E-A947-70E740481C1C}">
+                <a14:useLocalDpi xmlns:a14="http://schemas.microsoft.com/office/drawing/2010/main" val="0"/>
+              </a:ext>
+            </a:extLst>
+          </a:blip>
+          <a:stretch>
+            <a:fillRect/>
+          </a:stretch>
+        </p:blipFill>
+        <p:spPr>
+          <a:xfrm>
+            <a:off x="5619750" y="4608830"/>
+            <a:ext cx="952500" cy="952500"/>
+          </a:xfrm>
+          <a:prstGeom prst="rect">
+            <a:avLst/>
+          </a:prstGeom>
+        </p:spPr>
+      </p:pic>
+      <p:pic>
+        <p:nvPicPr>
+          <p:cNvPr id="20" name="Picture 19">
+            <a:extLst>
+              <a:ext uri="{FF2B5EF4-FFF2-40B4-BE49-F238E27FC236}">
+                <a16:creationId xmlns:a16="http://schemas.microsoft.com/office/drawing/2014/main" id="{DBB72029-CA24-4E4E-B4A9-D96B415F0E8B}"/>
+              </a:ext>
+            </a:extLst>
+          </p:cNvPr>
+          <p:cNvPicPr>
+            <a:picLocks noChangeAspect="1"/>
+          </p:cNvPicPr>
+          <p:nvPr/>
+        </p:nvPicPr>
+        <p:blipFill>
+          <a:blip r:embed="rId7">
+            <a:extLst>
+              <a:ext uri="{28A0092B-C50C-407E-A947-70E740481C1C}">
+                <a14:useLocalDpi xmlns:a14="http://schemas.microsoft.com/office/drawing/2010/main" val="0"/>
+              </a:ext>
+            </a:extLst>
+          </a:blip>
+          <a:stretch>
+            <a:fillRect/>
+          </a:stretch>
+        </p:blipFill>
+        <p:spPr>
+          <a:xfrm>
+            <a:off x="3833813" y="4608830"/>
+            <a:ext cx="952500" cy="952500"/>
+          </a:xfrm>
+          <a:prstGeom prst="rect">
+            <a:avLst/>
+          </a:prstGeom>
+        </p:spPr>
+      </p:pic>
+      <p:pic>
+        <p:nvPicPr>
+          <p:cNvPr id="23" name="Picture 22" descr="A picture containing animal, invertebrate, indoor, sitting&#10;&#10;Description generated with very high confidence">
+            <a:extLst>
+              <a:ext uri="{FF2B5EF4-FFF2-40B4-BE49-F238E27FC236}">
+                <a16:creationId xmlns:a16="http://schemas.microsoft.com/office/drawing/2014/main" id="{132D752B-F3E6-4EF6-B2BB-CED02BA00D92}"/>
+              </a:ext>
+            </a:extLst>
+          </p:cNvPr>
+          <p:cNvPicPr>
+            <a:picLocks noChangeAspect="1"/>
+          </p:cNvPicPr>
+          <p:nvPr/>
+        </p:nvPicPr>
+        <p:blipFill>
+          <a:blip r:embed="rId8">
+            <a:extLst>
+              <a:ext uri="{28A0092B-C50C-407E-A947-70E740481C1C}">
+                <a14:useLocalDpi xmlns:a14="http://schemas.microsoft.com/office/drawing/2010/main" val="0"/>
+              </a:ext>
+            </a:extLst>
+          </a:blip>
+          <a:stretch>
+            <a:fillRect/>
+          </a:stretch>
+        </p:blipFill>
+        <p:spPr>
+          <a:xfrm>
+            <a:off x="7400925" y="5788978"/>
+            <a:ext cx="952500" cy="952500"/>
+          </a:xfrm>
+          <a:prstGeom prst="rect">
+            <a:avLst/>
+          </a:prstGeom>
+        </p:spPr>
+      </p:pic>
+      <p:pic>
+        <p:nvPicPr>
+          <p:cNvPr id="25" name="Picture 24" descr="A picture containing cat, animal, indoor&#10;&#10;Description generated with high confidence">
+            <a:extLst>
+              <a:ext uri="{FF2B5EF4-FFF2-40B4-BE49-F238E27FC236}">
+                <a16:creationId xmlns:a16="http://schemas.microsoft.com/office/drawing/2014/main" id="{83D847AB-9A5D-415F-897C-81B55AAC8C6F}"/>
+              </a:ext>
+            </a:extLst>
+          </p:cNvPr>
+          <p:cNvPicPr>
+            <a:picLocks noChangeAspect="1"/>
+          </p:cNvPicPr>
+          <p:nvPr/>
+        </p:nvPicPr>
+        <p:blipFill>
+          <a:blip r:embed="rId9">
+            <a:extLst>
+              <a:ext uri="{28A0092B-C50C-407E-A947-70E740481C1C}">
+                <a14:useLocalDpi xmlns:a14="http://schemas.microsoft.com/office/drawing/2010/main" val="0"/>
+              </a:ext>
+            </a:extLst>
+          </a:blip>
+          <a:stretch>
+            <a:fillRect/>
+          </a:stretch>
+        </p:blipFill>
+        <p:spPr>
+          <a:xfrm>
+            <a:off x="5619750" y="5788660"/>
+            <a:ext cx="952500" cy="952500"/>
+          </a:xfrm>
+          <a:prstGeom prst="rect">
+            <a:avLst/>
+          </a:prstGeom>
+        </p:spPr>
+      </p:pic>
+      <p:pic>
+        <p:nvPicPr>
+          <p:cNvPr id="27" name="Picture 26" descr="A picture containing animal, cat, invertebrate, white&#10;&#10;Description generated with high confidence">
+            <a:extLst>
+              <a:ext uri="{FF2B5EF4-FFF2-40B4-BE49-F238E27FC236}">
+                <a16:creationId xmlns:a16="http://schemas.microsoft.com/office/drawing/2014/main" id="{002AC44C-6FC0-4CD0-974D-B8C7DC8D45CC}"/>
+              </a:ext>
+            </a:extLst>
+          </p:cNvPr>
+          <p:cNvPicPr>
+            <a:picLocks noChangeAspect="1"/>
+          </p:cNvPicPr>
+          <p:nvPr/>
+        </p:nvPicPr>
+        <p:blipFill>
+          <a:blip r:embed="rId10">
+            <a:extLst>
+              <a:ext uri="{28A0092B-C50C-407E-A947-70E740481C1C}">
+                <a14:useLocalDpi xmlns:a14="http://schemas.microsoft.com/office/drawing/2010/main" val="0"/>
+              </a:ext>
+            </a:extLst>
+          </a:blip>
+          <a:stretch>
+            <a:fillRect/>
+          </a:stretch>
+        </p:blipFill>
+        <p:spPr>
+          <a:xfrm>
+            <a:off x="3833813" y="5788660"/>
+            <a:ext cx="952500" cy="952500"/>
+          </a:xfrm>
+          <a:prstGeom prst="rect">
+            <a:avLst/>
+          </a:prstGeom>
+        </p:spPr>
+      </p:pic>
+    </p:spTree>
+    <p:extLst>
+      <p:ext uri="{BB962C8B-B14F-4D97-AF65-F5344CB8AC3E}">
+        <p14:creationId xmlns:p14="http://schemas.microsoft.com/office/powerpoint/2010/main" val="3662642524"/>
+      </p:ext>
+    </p:extLst>
+  </p:cSld>
+  <p:clrMapOvr>
+    <a:masterClrMapping/>
+  </p:clrMapOvr>
+</p:sld>
+</file>
+
+<file path=ppt/slides/slide5.xml><?xml version="1.0" encoding="utf-8"?>
+<p:sld xmlns:a="http://schemas.openxmlformats.org/drawingml/2006/main" xmlns:r="http://schemas.openxmlformats.org/officeDocument/2006/relationships" xmlns:p="http://schemas.openxmlformats.org/presentationml/2006/main">
+  <p:cSld>
+    <p:spTree>
+      <p:nvGrpSpPr>
+        <p:cNvPr id="1" name=""/>
+        <p:cNvGrpSpPr/>
+        <p:nvPr/>
+      </p:nvGrpSpPr>
+      <p:grpSpPr>
+        <a:xfrm>
+          <a:off x="0" y="0"/>
+          <a:ext cx="0" cy="0"/>
+          <a:chOff x="0" y="0"/>
+          <a:chExt cx="0" cy="0"/>
+        </a:xfrm>
+      </p:grpSpPr>
+      <p:sp>
+        <p:nvSpPr>
+          <p:cNvPr id="2" name="Title 1">
+            <a:extLst>
+              <a:ext uri="{FF2B5EF4-FFF2-40B4-BE49-F238E27FC236}">
+                <a16:creationId xmlns:a16="http://schemas.microsoft.com/office/drawing/2014/main" id="{CDF5AA99-67ED-4F01-B2FA-F4D2D388F984}"/>
+              </a:ext>
+            </a:extLst>
+          </p:cNvPr>
+          <p:cNvSpPr>
+            <a:spLocks noGrp="1"/>
+          </p:cNvSpPr>
+          <p:nvPr>
+            <p:ph type="title"/>
+          </p:nvPr>
+        </p:nvSpPr>
+        <p:spPr/>
+        <p:txBody>
+          <a:bodyPr/>
+          <a:lstStyle/>
+          <a:p>
+            <a:r>
+              <a:rPr lang="en-US" dirty="0"/>
+              <a:t>Reconstruction using DCT basis</a:t>
+            </a:r>
+            <a:endParaRPr lang="en-IN" dirty="0"/>
+          </a:p>
+        </p:txBody>
+      </p:sp>
+      <p:sp>
+        <p:nvSpPr>
+          <p:cNvPr id="3" name="Content Placeholder 2">
+            <a:extLst>
+              <a:ext uri="{FF2B5EF4-FFF2-40B4-BE49-F238E27FC236}">
+                <a16:creationId xmlns:a16="http://schemas.microsoft.com/office/drawing/2014/main" id="{9F11E205-D83C-4BCF-B272-79F9B52FF44D}"/>
+              </a:ext>
+            </a:extLst>
+          </p:cNvPr>
+          <p:cNvSpPr>
+            <a:spLocks noGrp="1"/>
+          </p:cNvSpPr>
+          <p:nvPr>
+            <p:ph idx="1"/>
+          </p:nvPr>
+        </p:nvSpPr>
+        <p:spPr/>
+        <p:txBody>
+          <a:bodyPr/>
+          <a:lstStyle/>
+          <a:p>
+            <a:r>
+              <a:rPr lang="en-US" dirty="0"/>
+              <a:t>3 classes</a:t>
+            </a:r>
+          </a:p>
+          <a:p>
+            <a:r>
+              <a:rPr lang="en-US" dirty="0"/>
+              <a:t>15, 20, 25 percent noise</a:t>
+            </a:r>
+          </a:p>
+          <a:p>
+            <a:r>
+              <a:rPr lang="en-US" dirty="0"/>
+              <a:t>No of projections –30000</a:t>
+            </a:r>
+            <a:endParaRPr lang="en-IN" dirty="0"/>
+          </a:p>
+        </p:txBody>
+      </p:sp>
+      <p:pic>
+        <p:nvPicPr>
+          <p:cNvPr id="6" name="Picture 5" descr="A picture containing animal, invertebrate, indoor, sitting&#10;&#10;Description generated with very high confidence">
+            <a:extLst>
+              <a:ext uri="{FF2B5EF4-FFF2-40B4-BE49-F238E27FC236}">
+                <a16:creationId xmlns:a16="http://schemas.microsoft.com/office/drawing/2014/main" id="{E11AB0D5-D586-442E-98CC-981FDA1F4B9F}"/>
+              </a:ext>
+            </a:extLst>
+          </p:cNvPr>
+          <p:cNvPicPr>
+            <a:picLocks noChangeAspect="1"/>
+          </p:cNvPicPr>
+          <p:nvPr/>
+        </p:nvPicPr>
+        <p:blipFill>
+          <a:blip r:embed="rId2">
+            <a:extLst>
+              <a:ext uri="{28A0092B-C50C-407E-A947-70E740481C1C}">
+                <a14:useLocalDpi xmlns:a14="http://schemas.microsoft.com/office/drawing/2010/main" val="0"/>
+              </a:ext>
+            </a:extLst>
+          </a:blip>
+          <a:stretch>
+            <a:fillRect/>
+          </a:stretch>
+        </p:blipFill>
+        <p:spPr>
+          <a:xfrm>
+            <a:off x="7461885" y="3327400"/>
+            <a:ext cx="952500" cy="952500"/>
+          </a:xfrm>
+          <a:prstGeom prst="rect">
+            <a:avLst/>
+          </a:prstGeom>
+        </p:spPr>
+      </p:pic>
+      <p:pic>
+        <p:nvPicPr>
+          <p:cNvPr id="10" name="Picture 9" descr="A picture containing cat, animal, indoor&#10;&#10;Description generated with high confidence">
+            <a:extLst>
+              <a:ext uri="{FF2B5EF4-FFF2-40B4-BE49-F238E27FC236}">
+                <a16:creationId xmlns:a16="http://schemas.microsoft.com/office/drawing/2014/main" id="{23D44FE3-B10D-4BED-A9FC-D711F22D8A25}"/>
+              </a:ext>
+            </a:extLst>
+          </p:cNvPr>
+          <p:cNvPicPr>
+            <a:picLocks noChangeAspect="1"/>
+          </p:cNvPicPr>
+          <p:nvPr/>
+        </p:nvPicPr>
+        <p:blipFill>
+          <a:blip r:embed="rId3">
+            <a:extLst>
+              <a:ext uri="{28A0092B-C50C-407E-A947-70E740481C1C}">
+                <a14:useLocalDpi xmlns:a14="http://schemas.microsoft.com/office/drawing/2010/main" val="0"/>
+              </a:ext>
+            </a:extLst>
+          </a:blip>
+          <a:stretch>
+            <a:fillRect/>
+          </a:stretch>
+        </p:blipFill>
+        <p:spPr>
+          <a:xfrm>
+            <a:off x="5619750" y="3327400"/>
+            <a:ext cx="952500" cy="952500"/>
+          </a:xfrm>
+          <a:prstGeom prst="rect">
+            <a:avLst/>
+          </a:prstGeom>
+        </p:spPr>
+      </p:pic>
+      <p:pic>
+        <p:nvPicPr>
+          <p:cNvPr id="13" name="Picture 12" descr="A picture containing animal, cat, invertebrate, white&#10;&#10;Description generated with high confidence">
+            <a:extLst>
+              <a:ext uri="{FF2B5EF4-FFF2-40B4-BE49-F238E27FC236}">
+                <a16:creationId xmlns:a16="http://schemas.microsoft.com/office/drawing/2014/main" id="{55000144-834A-4C0F-9859-4C2AA279C1AE}"/>
+              </a:ext>
+            </a:extLst>
+          </p:cNvPr>
+          <p:cNvPicPr>
+            <a:picLocks noChangeAspect="1"/>
+          </p:cNvPicPr>
+          <p:nvPr/>
+        </p:nvPicPr>
+        <p:blipFill>
+          <a:blip r:embed="rId4">
+            <a:extLst>
+              <a:ext uri="{28A0092B-C50C-407E-A947-70E740481C1C}">
+                <a14:useLocalDpi xmlns:a14="http://schemas.microsoft.com/office/drawing/2010/main" val="0"/>
+              </a:ext>
+            </a:extLst>
+          </a:blip>
+          <a:stretch>
+            <a:fillRect/>
+          </a:stretch>
+        </p:blipFill>
+        <p:spPr>
+          <a:xfrm>
+            <a:off x="3777615" y="3327400"/>
+            <a:ext cx="952500" cy="952500"/>
+          </a:xfrm>
+          <a:prstGeom prst="rect">
+            <a:avLst/>
+          </a:prstGeom>
+        </p:spPr>
+      </p:pic>
+      <p:pic>
+        <p:nvPicPr>
+          <p:cNvPr id="15" name="Picture 14" descr="A picture containing animal, invertebrate&#10;&#10;Description generated with very high confidence">
+            <a:extLst>
+              <a:ext uri="{FF2B5EF4-FFF2-40B4-BE49-F238E27FC236}">
+                <a16:creationId xmlns:a16="http://schemas.microsoft.com/office/drawing/2014/main" id="{DF9C9550-43F5-446A-9251-5A6D953A971F}"/>
+              </a:ext>
+            </a:extLst>
+          </p:cNvPr>
+          <p:cNvPicPr>
+            <a:picLocks noChangeAspect="1"/>
+          </p:cNvPicPr>
+          <p:nvPr/>
+        </p:nvPicPr>
+        <p:blipFill>
+          <a:blip r:embed="rId5">
+            <a:extLst>
+              <a:ext uri="{28A0092B-C50C-407E-A947-70E740481C1C}">
+                <a14:useLocalDpi xmlns:a14="http://schemas.microsoft.com/office/drawing/2010/main" val="0"/>
+              </a:ext>
+            </a:extLst>
+          </a:blip>
+          <a:stretch>
+            <a:fillRect/>
+          </a:stretch>
+        </p:blipFill>
+        <p:spPr>
+          <a:xfrm>
+            <a:off x="7461885" y="4588510"/>
+            <a:ext cx="952500" cy="952500"/>
+          </a:xfrm>
+          <a:prstGeom prst="rect">
+            <a:avLst/>
+          </a:prstGeom>
+        </p:spPr>
+      </p:pic>
+      <p:pic>
+        <p:nvPicPr>
+          <p:cNvPr id="18" name="Picture 17" descr="A picture containing animal, invertebrate, branchiopod crustacean, arthropod&#10;&#10;Description generated with very high confidence">
+            <a:extLst>
+              <a:ext uri="{FF2B5EF4-FFF2-40B4-BE49-F238E27FC236}">
+                <a16:creationId xmlns:a16="http://schemas.microsoft.com/office/drawing/2014/main" id="{25DBF258-DC48-4DCC-AD2C-2B876336FF2C}"/>
+              </a:ext>
+            </a:extLst>
+          </p:cNvPr>
+          <p:cNvPicPr>
+            <a:picLocks noChangeAspect="1"/>
+          </p:cNvPicPr>
+          <p:nvPr/>
+        </p:nvPicPr>
+        <p:blipFill>
+          <a:blip r:embed="rId6">
+            <a:extLst>
+              <a:ext uri="{28A0092B-C50C-407E-A947-70E740481C1C}">
+                <a14:useLocalDpi xmlns:a14="http://schemas.microsoft.com/office/drawing/2010/main" val="0"/>
+              </a:ext>
+            </a:extLst>
+          </a:blip>
+          <a:stretch>
+            <a:fillRect/>
+          </a:stretch>
+        </p:blipFill>
+        <p:spPr>
+          <a:xfrm>
+            <a:off x="5619750" y="4588510"/>
+            <a:ext cx="952500" cy="952500"/>
+          </a:xfrm>
+          <a:prstGeom prst="rect">
+            <a:avLst/>
+          </a:prstGeom>
+        </p:spPr>
+      </p:pic>
+      <p:pic>
+        <p:nvPicPr>
+          <p:cNvPr id="21" name="Picture 20" descr="A picture containing invertebrate, animal&#10;&#10;Description generated with very high confidence">
+            <a:extLst>
+              <a:ext uri="{FF2B5EF4-FFF2-40B4-BE49-F238E27FC236}">
+                <a16:creationId xmlns:a16="http://schemas.microsoft.com/office/drawing/2014/main" id="{AA2935C9-015D-48CF-8919-A877EF420532}"/>
+              </a:ext>
+            </a:extLst>
+          </p:cNvPr>
+          <p:cNvPicPr>
+            <a:picLocks noChangeAspect="1"/>
+          </p:cNvPicPr>
+          <p:nvPr/>
+        </p:nvPicPr>
+        <p:blipFill>
+          <a:blip r:embed="rId7">
+            <a:extLst>
+              <a:ext uri="{28A0092B-C50C-407E-A947-70E740481C1C}">
+                <a14:useLocalDpi xmlns:a14="http://schemas.microsoft.com/office/drawing/2010/main" val="0"/>
+              </a:ext>
+            </a:extLst>
+          </a:blip>
+          <a:stretch>
+            <a:fillRect/>
+          </a:stretch>
+        </p:blipFill>
+        <p:spPr>
+          <a:xfrm>
+            <a:off x="3777615" y="4588510"/>
+            <a:ext cx="952500" cy="952500"/>
+          </a:xfrm>
+          <a:prstGeom prst="rect">
+            <a:avLst/>
+          </a:prstGeom>
+        </p:spPr>
+      </p:pic>
+      <p:pic>
+        <p:nvPicPr>
+          <p:cNvPr id="24" name="Picture 23">
+            <a:extLst>
+              <a:ext uri="{FF2B5EF4-FFF2-40B4-BE49-F238E27FC236}">
+                <a16:creationId xmlns:a16="http://schemas.microsoft.com/office/drawing/2014/main" id="{0CD09FEC-C32C-4E73-B378-967E5707C6D9}"/>
+              </a:ext>
+            </a:extLst>
+          </p:cNvPr>
+          <p:cNvPicPr>
+            <a:picLocks noChangeAspect="1"/>
+          </p:cNvPicPr>
+          <p:nvPr/>
+        </p:nvPicPr>
+        <p:blipFill>
+          <a:blip r:embed="rId8">
+            <a:extLst>
+              <a:ext uri="{28A0092B-C50C-407E-A947-70E740481C1C}">
+                <a14:useLocalDpi xmlns:a14="http://schemas.microsoft.com/office/drawing/2010/main" val="0"/>
+              </a:ext>
+            </a:extLst>
+          </a:blip>
+          <a:stretch>
+            <a:fillRect/>
+          </a:stretch>
+        </p:blipFill>
+        <p:spPr>
+          <a:xfrm>
+            <a:off x="7461885" y="5880100"/>
+            <a:ext cx="952500" cy="952500"/>
+          </a:xfrm>
+          <a:prstGeom prst="rect">
+            <a:avLst/>
+          </a:prstGeom>
+        </p:spPr>
+      </p:pic>
+      <p:pic>
+        <p:nvPicPr>
+          <p:cNvPr id="28" name="Picture 27" descr="A picture containing invertebrate, animal, arthropod&#10;&#10;Description generated with high confidence">
+            <a:extLst>
+              <a:ext uri="{FF2B5EF4-FFF2-40B4-BE49-F238E27FC236}">
+                <a16:creationId xmlns:a16="http://schemas.microsoft.com/office/drawing/2014/main" id="{DE60020C-02F8-4F81-806D-A5FADA59B205}"/>
+              </a:ext>
+            </a:extLst>
+          </p:cNvPr>
+          <p:cNvPicPr>
+            <a:picLocks noChangeAspect="1"/>
+          </p:cNvPicPr>
+          <p:nvPr/>
+        </p:nvPicPr>
+        <p:blipFill>
+          <a:blip r:embed="rId9">
+            <a:extLst>
+              <a:ext uri="{28A0092B-C50C-407E-A947-70E740481C1C}">
+                <a14:useLocalDpi xmlns:a14="http://schemas.microsoft.com/office/drawing/2010/main" val="0"/>
+              </a:ext>
+            </a:extLst>
+          </a:blip>
+          <a:stretch>
+            <a:fillRect/>
+          </a:stretch>
+        </p:blipFill>
+        <p:spPr>
+          <a:xfrm>
+            <a:off x="5619750" y="5854700"/>
+            <a:ext cx="952500" cy="952500"/>
+          </a:xfrm>
+          <a:prstGeom prst="rect">
+            <a:avLst/>
+          </a:prstGeom>
+        </p:spPr>
+      </p:pic>
+      <p:pic>
+        <p:nvPicPr>
+          <p:cNvPr id="30" name="Picture 29" descr="A picture containing animal, invertebrate, cat&#10;&#10;Description generated with high confidence">
+            <a:extLst>
+              <a:ext uri="{FF2B5EF4-FFF2-40B4-BE49-F238E27FC236}">
+                <a16:creationId xmlns:a16="http://schemas.microsoft.com/office/drawing/2014/main" id="{6C6CD6BC-6A9D-4079-BCCD-161315F39D1A}"/>
+              </a:ext>
+            </a:extLst>
+          </p:cNvPr>
+          <p:cNvPicPr>
+            <a:picLocks noChangeAspect="1"/>
+          </p:cNvPicPr>
+          <p:nvPr/>
+        </p:nvPicPr>
+        <p:blipFill>
+          <a:blip r:embed="rId10">
+            <a:extLst>
+              <a:ext uri="{28A0092B-C50C-407E-A947-70E740481C1C}">
+                <a14:useLocalDpi xmlns:a14="http://schemas.microsoft.com/office/drawing/2010/main" val="0"/>
+              </a:ext>
+            </a:extLst>
+          </a:blip>
+          <a:stretch>
+            <a:fillRect/>
+          </a:stretch>
+        </p:blipFill>
+        <p:spPr>
+          <a:xfrm>
+            <a:off x="3777615" y="5849620"/>
+            <a:ext cx="952500" cy="952500"/>
+          </a:xfrm>
+          <a:prstGeom prst="rect">
+            <a:avLst/>
+          </a:prstGeom>
+        </p:spPr>
+      </p:pic>
+    </p:spTree>
+    <p:extLst>
+      <p:ext uri="{BB962C8B-B14F-4D97-AF65-F5344CB8AC3E}">
+        <p14:creationId xmlns:p14="http://schemas.microsoft.com/office/powerpoint/2010/main" val="591534150"/>
+      </p:ext>
+    </p:extLst>
+  </p:cSld>
+  <p:clrMapOvr>
+    <a:masterClrMapping/>
+  </p:clrMapOvr>
+</p:sld>
+</file>
+
+<file path=ppt/slides/slide6.xml><?xml version="1.0" encoding="utf-8"?>
+<p:sld xmlns:a="http://schemas.openxmlformats.org/drawingml/2006/main" xmlns:r="http://schemas.openxmlformats.org/officeDocument/2006/relationships" xmlns:p="http://schemas.openxmlformats.org/presentationml/2006/main">
+  <p:cSld>
+    <p:spTree>
+      <p:nvGrpSpPr>
+        <p:cNvPr id="1" name=""/>
+        <p:cNvGrpSpPr/>
+        <p:nvPr/>
+      </p:nvGrpSpPr>
+      <p:grpSpPr>
+        <a:xfrm>
+          <a:off x="0" y="0"/>
+          <a:ext cx="0" cy="0"/>
+          <a:chOff x="0" y="0"/>
+          <a:chExt cx="0" cy="0"/>
+        </a:xfrm>
+      </p:grpSpPr>
+      <p:sp>
+        <p:nvSpPr>
+          <p:cNvPr id="4" name="Title 3">
+            <a:extLst>
+              <a:ext uri="{FF2B5EF4-FFF2-40B4-BE49-F238E27FC236}">
+                <a16:creationId xmlns:a16="http://schemas.microsoft.com/office/drawing/2014/main" id="{773B2DE0-A63E-4491-8C01-B34D9B7ADA5F}"/>
+              </a:ext>
+            </a:extLst>
+          </p:cNvPr>
+          <p:cNvSpPr>
+            <a:spLocks noGrp="1"/>
+          </p:cNvSpPr>
+          <p:nvPr>
+            <p:ph type="title"/>
+          </p:nvPr>
+        </p:nvSpPr>
+        <p:spPr/>
+        <p:txBody>
+          <a:bodyPr/>
+          <a:lstStyle/>
+          <a:p>
+            <a:r>
+              <a:rPr lang="en-US" dirty="0"/>
+              <a:t>Kernel K-means</a:t>
+            </a:r>
+            <a:endParaRPr lang="en-IN" dirty="0"/>
+          </a:p>
+        </p:txBody>
+      </p:sp>
+      <p:sp>
+        <p:nvSpPr>
+          <p:cNvPr id="5" name="Content Placeholder 4">
+            <a:extLst>
+              <a:ext uri="{FF2B5EF4-FFF2-40B4-BE49-F238E27FC236}">
+                <a16:creationId xmlns:a16="http://schemas.microsoft.com/office/drawing/2014/main" id="{74575468-DE89-43BA-904F-5C68547A3D6A}"/>
+              </a:ext>
+            </a:extLst>
+          </p:cNvPr>
+          <p:cNvSpPr>
+            <a:spLocks noGrp="1"/>
+          </p:cNvSpPr>
+          <p:nvPr>
+            <p:ph idx="1"/>
+          </p:nvPr>
+        </p:nvSpPr>
+        <p:spPr/>
+        <p:txBody>
+          <a:bodyPr/>
+          <a:lstStyle/>
+          <a:p>
+            <a:r>
+              <a:rPr lang="en-US" dirty="0"/>
+              <a:t>Number of projections – 8000</a:t>
+            </a:r>
+          </a:p>
+          <a:p>
+            <a:r>
+              <a:rPr lang="en-US" dirty="0"/>
+              <a:t>Noise 10%</a:t>
+            </a:r>
+          </a:p>
+          <a:p>
+            <a:r>
+              <a:rPr lang="en-US" dirty="0"/>
+              <a:t>2 classes</a:t>
+            </a:r>
+            <a:endParaRPr lang="en-IN" dirty="0"/>
+          </a:p>
+        </p:txBody>
+      </p:sp>
+      <p:graphicFrame>
+        <p:nvGraphicFramePr>
+          <p:cNvPr id="6" name="Object 5">
+            <a:extLst>
+              <a:ext uri="{FF2B5EF4-FFF2-40B4-BE49-F238E27FC236}">
+                <a16:creationId xmlns:a16="http://schemas.microsoft.com/office/drawing/2014/main" id="{8958831F-CE45-4E88-A37F-0E3CBF386B29}"/>
+              </a:ext>
+            </a:extLst>
+          </p:cNvPr>
+          <p:cNvGraphicFramePr>
+            <a:graphicFrameLocks noChangeAspect="1"/>
+          </p:cNvGraphicFramePr>
+          <p:nvPr>
+            <p:extLst>
+              <p:ext uri="{D42A27DB-BD31-4B8C-83A1-F6EECF244321}">
+                <p14:modId xmlns:p14="http://schemas.microsoft.com/office/powerpoint/2010/main" val="1664350059"/>
               </p:ext>
             </p:extLst>
           </p:nvPr>
@@ -3444,7 +6203,7 @@
           <a:graphicData uri="http://schemas.openxmlformats.org/presentationml/2006/ole">
             <mc:AlternateContent xmlns:mc="http://schemas.openxmlformats.org/markup-compatibility/2006">
               <mc:Choice xmlns:v="urn:schemas-microsoft-com:vml" Requires="v">
-                <p:oleObj spid="_x0000_s1028" name="Packager Shell Object" showAsIcon="1" r:id="rId3" imgW="1089360" imgH="478800" progId="Package">
+                <p:oleObj spid="_x0000_s1026" name="Packager Shell Object" showAsIcon="1" r:id="rId3" imgW="1089360" imgH="478800" progId="Package">
                   <p:embed/>
                 </p:oleObj>
               </mc:Choice>
@@ -3453,7 +6212,13 @@
                   <p:embed/>
                   <p:pic>
                     <p:nvPicPr>
-                      <p:cNvPr id="0" name=""/>
+                      <p:cNvPr id="6" name="Object 5">
+                        <a:extLst>
+                          <a:ext uri="{FF2B5EF4-FFF2-40B4-BE49-F238E27FC236}">
+                            <a16:creationId xmlns:a16="http://schemas.microsoft.com/office/drawing/2014/main" id="{8958831F-CE45-4E88-A37F-0E3CBF386B29}"/>
+                          </a:ext>
+                        </a:extLst>
+                      </p:cNvPr>
                       <p:cNvPicPr/>
                       <p:nvPr/>
                     </p:nvPicPr>
@@ -3494,20 +6259,20 @@
           <p:nvPr>
             <p:extLst>
               <p:ext uri="{D42A27DB-BD31-4B8C-83A1-F6EECF244321}">
-                <p14:modId xmlns:p14="http://schemas.microsoft.com/office/powerpoint/2010/main" val="3069565506"/>
+                <p14:modId xmlns:p14="http://schemas.microsoft.com/office/powerpoint/2010/main" val="2247496624"/>
               </p:ext>
             </p:extLst>
           </p:nvPr>
         </p:nvGraphicFramePr>
         <p:xfrm>
-          <a:off x="7033572" y="4413250"/>
+          <a:off x="7033572" y="4422775"/>
           <a:ext cx="1875142" cy="753049"/>
         </p:xfrm>
         <a:graphic>
           <a:graphicData uri="http://schemas.openxmlformats.org/presentationml/2006/ole">
             <mc:AlternateContent xmlns:mc="http://schemas.openxmlformats.org/markup-compatibility/2006">
               <mc:Choice xmlns:v="urn:schemas-microsoft-com:vml" Requires="v">
-                <p:oleObj spid="_x0000_s1029" name="Packager Shell Object" showAsIcon="1" r:id="rId5" imgW="1193400" imgH="478800" progId="Package">
+                <p:oleObj spid="_x0000_s1027" name="Packager Shell Object" showAsIcon="1" r:id="rId5" imgW="1193400" imgH="478800" progId="Package">
                   <p:embed/>
                 </p:oleObj>
               </mc:Choice>
@@ -3516,7 +6281,13 @@
                   <p:embed/>
                   <p:pic>
                     <p:nvPicPr>
-                      <p:cNvPr id="0" name=""/>
+                      <p:cNvPr id="7" name="Object 6">
+                        <a:extLst>
+                          <a:ext uri="{FF2B5EF4-FFF2-40B4-BE49-F238E27FC236}">
+                            <a16:creationId xmlns:a16="http://schemas.microsoft.com/office/drawing/2014/main" id="{C0F1F54B-D8BD-4F02-ADBA-9B1106F6EC66}"/>
+                          </a:ext>
+                        </a:extLst>
+                      </p:cNvPr>
                       <p:cNvPicPr/>
                       <p:nvPr/>
                     </p:nvPicPr>
@@ -3528,7 +6299,7 @@
                     </p:blipFill>
                     <p:spPr>
                       <a:xfrm>
-                        <a:off x="7033572" y="4413250"/>
+                        <a:off x="7033572" y="4422775"/>
                         <a:ext cx="1875142" cy="753049"/>
                       </a:xfrm>
                       <a:prstGeom prst="rect">
@@ -3555,7 +6326,7 @@
 </p:sld>
 </file>
 
-<file path=ppt/slides/slide2.xml><?xml version="1.0" encoding="utf-8"?>
+<file path=ppt/slides/slide7.xml><?xml version="1.0" encoding="utf-8"?>
 <p:sld xmlns:a="http://schemas.openxmlformats.org/drawingml/2006/main" xmlns:r="http://schemas.openxmlformats.org/officeDocument/2006/relationships" xmlns:p="http://schemas.openxmlformats.org/presentationml/2006/main">
   <p:cSld>
     <p:spTree>
@@ -3657,7 +6428,7 @@
           <p:nvPr>
             <p:extLst>
               <p:ext uri="{D42A27DB-BD31-4B8C-83A1-F6EECF244321}">
-                <p14:modId xmlns:p14="http://schemas.microsoft.com/office/powerpoint/2010/main" val="1342427377"/>
+                <p14:modId xmlns:p14="http://schemas.microsoft.com/office/powerpoint/2010/main" val="2442453743"/>
               </p:ext>
             </p:extLst>
           </p:nvPr>
@@ -3670,7 +6441,7 @@
           <a:graphicData uri="http://schemas.openxmlformats.org/presentationml/2006/ole">
             <mc:AlternateContent xmlns:mc="http://schemas.openxmlformats.org/markup-compatibility/2006">
               <mc:Choice xmlns:v="urn:schemas-microsoft-com:vml" Requires="v">
-                <p:oleObj spid="_x0000_s2052" name="Packager Shell Object" showAsIcon="1" r:id="rId3" imgW="1193400" imgH="478800" progId="Package">
+                <p:oleObj spid="_x0000_s2050" name="Packager Shell Object" showAsIcon="1" r:id="rId3" imgW="1193400" imgH="478800" progId="Package">
                   <p:embed/>
                 </p:oleObj>
               </mc:Choice>
@@ -3679,7 +6450,13 @@
                   <p:embed/>
                   <p:pic>
                     <p:nvPicPr>
-                      <p:cNvPr id="0" name=""/>
+                      <p:cNvPr id="2" name="Object 1">
+                        <a:extLst>
+                          <a:ext uri="{FF2B5EF4-FFF2-40B4-BE49-F238E27FC236}">
+                            <a16:creationId xmlns:a16="http://schemas.microsoft.com/office/drawing/2014/main" id="{0CA7D5CE-AE27-4554-B787-3262A94BD3E0}"/>
+                          </a:ext>
+                        </a:extLst>
+                      </p:cNvPr>
                       <p:cNvPicPr/>
                       <p:nvPr/>
                     </p:nvPicPr>
@@ -3720,7 +6497,7 @@
           <p:nvPr>
             <p:extLst>
               <p:ext uri="{D42A27DB-BD31-4B8C-83A1-F6EECF244321}">
-                <p14:modId xmlns:p14="http://schemas.microsoft.com/office/powerpoint/2010/main" val="1371711520"/>
+                <p14:modId xmlns:p14="http://schemas.microsoft.com/office/powerpoint/2010/main" val="2347164749"/>
               </p:ext>
             </p:extLst>
           </p:nvPr>
@@ -3733,7 +6510,7 @@
           <a:graphicData uri="http://schemas.openxmlformats.org/presentationml/2006/ole">
             <mc:AlternateContent xmlns:mc="http://schemas.openxmlformats.org/markup-compatibility/2006">
               <mc:Choice xmlns:v="urn:schemas-microsoft-com:vml" Requires="v">
-                <p:oleObj spid="_x0000_s2053" name="Packager Shell Object" showAsIcon="1" r:id="rId5" imgW="1089360" imgH="478800" progId="Package">
+                <p:oleObj spid="_x0000_s2051" name="Packager Shell Object" showAsIcon="1" r:id="rId5" imgW="1089360" imgH="478800" progId="Package">
                   <p:embed/>
                 </p:oleObj>
               </mc:Choice>
@@ -3742,7 +6519,13 @@
                   <p:embed/>
                   <p:pic>
                     <p:nvPicPr>
-                      <p:cNvPr id="0" name=""/>
+                      <p:cNvPr id="3" name="Object 2">
+                        <a:extLst>
+                          <a:ext uri="{FF2B5EF4-FFF2-40B4-BE49-F238E27FC236}">
+                            <a16:creationId xmlns:a16="http://schemas.microsoft.com/office/drawing/2014/main" id="{8F7F59EA-011A-41E4-B987-EE91038F140C}"/>
+                          </a:ext>
+                        </a:extLst>
+                      </p:cNvPr>
                       <p:cNvPicPr/>
                       <p:nvPr/>
                     </p:nvPicPr>
@@ -3781,7 +6564,7 @@
 </p:sld>
 </file>
 
-<file path=ppt/slides/slide3.xml><?xml version="1.0" encoding="utf-8"?>
+<file path=ppt/slides/slide8.xml><?xml version="1.0" encoding="utf-8"?>
 <p:sld xmlns:a="http://schemas.openxmlformats.org/drawingml/2006/main" xmlns:r="http://schemas.openxmlformats.org/officeDocument/2006/relationships" xmlns:p="http://schemas.openxmlformats.org/presentationml/2006/main">
   <p:cSld>
     <p:spTree>
@@ -3885,7 +6668,7 @@
           <p:nvPr>
             <p:extLst>
               <p:ext uri="{D42A27DB-BD31-4B8C-83A1-F6EECF244321}">
-                <p14:modId xmlns:p14="http://schemas.microsoft.com/office/powerpoint/2010/main" val="4289883558"/>
+                <p14:modId xmlns:p14="http://schemas.microsoft.com/office/powerpoint/2010/main" val="1962410748"/>
               </p:ext>
             </p:extLst>
           </p:nvPr>
@@ -3898,7 +6681,7 @@
           <a:graphicData uri="http://schemas.openxmlformats.org/presentationml/2006/ole">
             <mc:AlternateContent xmlns:mc="http://schemas.openxmlformats.org/markup-compatibility/2006">
               <mc:Choice xmlns:v="urn:schemas-microsoft-com:vml" Requires="v">
-                <p:oleObj spid="_x0000_s3076" name="Packager Shell Object" showAsIcon="1" r:id="rId3" imgW="1193400" imgH="478800" progId="Package">
+                <p:oleObj spid="_x0000_s3074" name="Packager Shell Object" showAsIcon="1" r:id="rId3" imgW="1193400" imgH="478800" progId="Package">
                   <p:embed/>
                 </p:oleObj>
               </mc:Choice>
@@ -3907,7 +6690,13 @@
                   <p:embed/>
                   <p:pic>
                     <p:nvPicPr>
-                      <p:cNvPr id="0" name=""/>
+                      <p:cNvPr id="8" name="Object 7">
+                        <a:extLst>
+                          <a:ext uri="{FF2B5EF4-FFF2-40B4-BE49-F238E27FC236}">
+                            <a16:creationId xmlns:a16="http://schemas.microsoft.com/office/drawing/2014/main" id="{0ACFB63D-1AD6-42B3-80F6-197800960BB7}"/>
+                          </a:ext>
+                        </a:extLst>
+                      </p:cNvPr>
                       <p:cNvPicPr/>
                       <p:nvPr/>
                     </p:nvPicPr>
@@ -3948,7 +6737,7 @@
           <p:nvPr>
             <p:extLst>
               <p:ext uri="{D42A27DB-BD31-4B8C-83A1-F6EECF244321}">
-                <p14:modId xmlns:p14="http://schemas.microsoft.com/office/powerpoint/2010/main" val="2708202659"/>
+                <p14:modId xmlns:p14="http://schemas.microsoft.com/office/powerpoint/2010/main" val="640293991"/>
               </p:ext>
             </p:extLst>
           </p:nvPr>
@@ -3961,7 +6750,7 @@
           <a:graphicData uri="http://schemas.openxmlformats.org/presentationml/2006/ole">
             <mc:AlternateContent xmlns:mc="http://schemas.openxmlformats.org/markup-compatibility/2006">
               <mc:Choice xmlns:v="urn:schemas-microsoft-com:vml" Requires="v">
-                <p:oleObj spid="_x0000_s3077" name="Packager Shell Object" showAsIcon="1" r:id="rId5" imgW="1089360" imgH="478800" progId="Package">
+                <p:oleObj spid="_x0000_s3075" name="Packager Shell Object" showAsIcon="1" r:id="rId5" imgW="1089360" imgH="478800" progId="Package">
                   <p:embed/>
                 </p:oleObj>
               </mc:Choice>
@@ -3970,7 +6759,13 @@
                   <p:embed/>
                   <p:pic>
                     <p:nvPicPr>
-                      <p:cNvPr id="0" name=""/>
+                      <p:cNvPr id="9" name="Object 8">
+                        <a:extLst>
+                          <a:ext uri="{FF2B5EF4-FFF2-40B4-BE49-F238E27FC236}">
+                            <a16:creationId xmlns:a16="http://schemas.microsoft.com/office/drawing/2014/main" id="{5BF09AC6-B86D-438F-9A65-E5B6F8E5D906}"/>
+                          </a:ext>
+                        </a:extLst>
+                      </p:cNvPr>
                       <p:cNvPicPr/>
                       <p:nvPr/>
                     </p:nvPicPr>
@@ -4009,7 +6804,7 @@
 </p:sld>
 </file>
 
-<file path=ppt/slides/slide4.xml><?xml version="1.0" encoding="utf-8"?>
+<file path=ppt/slides/slide9.xml><?xml version="1.0" encoding="utf-8"?>
 <p:sld xmlns:a="http://schemas.openxmlformats.org/drawingml/2006/main" xmlns:r="http://schemas.openxmlformats.org/officeDocument/2006/relationships" xmlns:p="http://schemas.openxmlformats.org/presentationml/2006/main">
   <p:cSld>
     <p:spTree>
@@ -4113,7 +6908,7 @@
           <p:nvPr>
             <p:extLst>
               <p:ext uri="{D42A27DB-BD31-4B8C-83A1-F6EECF244321}">
-                <p14:modId xmlns:p14="http://schemas.microsoft.com/office/powerpoint/2010/main" val="2845339337"/>
+                <p14:modId xmlns:p14="http://schemas.microsoft.com/office/powerpoint/2010/main" val="2820119244"/>
               </p:ext>
             </p:extLst>
           </p:nvPr>
@@ -4135,7 +6930,13 @@
                   <p:embed/>
                   <p:pic>
                     <p:nvPicPr>
-                      <p:cNvPr id="0" name=""/>
+                      <p:cNvPr id="2" name="Object 1">
+                        <a:extLst>
+                          <a:ext uri="{FF2B5EF4-FFF2-40B4-BE49-F238E27FC236}">
+                            <a16:creationId xmlns:a16="http://schemas.microsoft.com/office/drawing/2014/main" id="{4E3B2704-1CC9-4469-93D6-C04A48DD8809}"/>
+                          </a:ext>
+                        </a:extLst>
+                      </p:cNvPr>
                       <p:cNvPicPr/>
                       <p:nvPr/>
                     </p:nvPicPr>
@@ -4176,7 +6977,7 @@
           <p:nvPr>
             <p:extLst>
               <p:ext uri="{D42A27DB-BD31-4B8C-83A1-F6EECF244321}">
-                <p14:modId xmlns:p14="http://schemas.microsoft.com/office/powerpoint/2010/main" val="2002944913"/>
+                <p14:modId xmlns:p14="http://schemas.microsoft.com/office/powerpoint/2010/main" val="3510150618"/>
               </p:ext>
             </p:extLst>
           </p:nvPr>
@@ -4198,7 +6999,13 @@
                   <p:embed/>
                   <p:pic>
                     <p:nvPicPr>
-                      <p:cNvPr id="0" name=""/>
+                      <p:cNvPr id="3" name="Object 2">
+                        <a:extLst>
+                          <a:ext uri="{FF2B5EF4-FFF2-40B4-BE49-F238E27FC236}">
+                            <a16:creationId xmlns:a16="http://schemas.microsoft.com/office/drawing/2014/main" id="{95026959-158A-4E0E-86E6-AFABF1994F9D}"/>
+                          </a:ext>
+                        </a:extLst>
+                      </p:cNvPr>
                       <p:cNvPicPr/>
                       <p:nvPr/>
                     </p:nvPicPr>
@@ -4228,234 +7035,6 @@
     <p:extLst>
       <p:ext uri="{BB962C8B-B14F-4D97-AF65-F5344CB8AC3E}">
         <p14:creationId xmlns:p14="http://schemas.microsoft.com/office/powerpoint/2010/main" val="1737469829"/>
-      </p:ext>
-    </p:extLst>
-  </p:cSld>
-  <p:clrMapOvr>
-    <a:masterClrMapping/>
-  </p:clrMapOvr>
-</p:sld>
-</file>
-
-<file path=ppt/slides/slide5.xml><?xml version="1.0" encoding="utf-8"?>
-<p:sld xmlns:a="http://schemas.openxmlformats.org/drawingml/2006/main" xmlns:r="http://schemas.openxmlformats.org/officeDocument/2006/relationships" xmlns:p="http://schemas.openxmlformats.org/presentationml/2006/main">
-  <p:cSld>
-    <p:spTree>
-      <p:nvGrpSpPr>
-        <p:cNvPr id="1" name=""/>
-        <p:cNvGrpSpPr/>
-        <p:nvPr/>
-      </p:nvGrpSpPr>
-      <p:grpSpPr>
-        <a:xfrm>
-          <a:off x="0" y="0"/>
-          <a:ext cx="0" cy="0"/>
-          <a:chOff x="0" y="0"/>
-          <a:chExt cx="0" cy="0"/>
-        </a:xfrm>
-      </p:grpSpPr>
-      <p:sp>
-        <p:nvSpPr>
-          <p:cNvPr id="4" name="Title 3">
-            <a:extLst>
-              <a:ext uri="{FF2B5EF4-FFF2-40B4-BE49-F238E27FC236}">
-                <a16:creationId xmlns:a16="http://schemas.microsoft.com/office/drawing/2014/main" id="{773B2DE0-A63E-4491-8C01-B34D9B7ADA5F}"/>
-              </a:ext>
-            </a:extLst>
-          </p:cNvPr>
-          <p:cNvSpPr>
-            <a:spLocks noGrp="1"/>
-          </p:cNvSpPr>
-          <p:nvPr>
-            <p:ph type="title"/>
-          </p:nvPr>
-        </p:nvSpPr>
-        <p:spPr/>
-        <p:txBody>
-          <a:bodyPr/>
-          <a:lstStyle/>
-          <a:p>
-            <a:r>
-              <a:rPr lang="en-US" dirty="0"/>
-              <a:t>Kernel PCA</a:t>
-            </a:r>
-            <a:endParaRPr lang="en-IN" dirty="0"/>
-          </a:p>
-        </p:txBody>
-      </p:sp>
-      <p:sp>
-        <p:nvSpPr>
-          <p:cNvPr id="5" name="Content Placeholder 4">
-            <a:extLst>
-              <a:ext uri="{FF2B5EF4-FFF2-40B4-BE49-F238E27FC236}">
-                <a16:creationId xmlns:a16="http://schemas.microsoft.com/office/drawing/2014/main" id="{74575468-DE89-43BA-904F-5C68547A3D6A}"/>
-              </a:ext>
-            </a:extLst>
-          </p:cNvPr>
-          <p:cNvSpPr>
-            <a:spLocks noGrp="1"/>
-          </p:cNvSpPr>
-          <p:nvPr>
-            <p:ph idx="1"/>
-          </p:nvPr>
-        </p:nvSpPr>
-        <p:spPr/>
-        <p:txBody>
-          <a:bodyPr/>
-          <a:lstStyle/>
-          <a:p>
-            <a:r>
-              <a:rPr lang="en-US" dirty="0"/>
-              <a:t>Number of projections – 8000</a:t>
-            </a:r>
-          </a:p>
-          <a:p>
-            <a:r>
-              <a:rPr lang="en-US" dirty="0"/>
-              <a:t>Noise 10%</a:t>
-            </a:r>
-          </a:p>
-          <a:p>
-            <a:r>
-              <a:rPr lang="en-US" dirty="0"/>
-              <a:t>2 classes</a:t>
-            </a:r>
-          </a:p>
-          <a:p>
-            <a:endParaRPr lang="en-IN" dirty="0"/>
-          </a:p>
-        </p:txBody>
-      </p:sp>
-      <p:graphicFrame>
-        <p:nvGraphicFramePr>
-          <p:cNvPr id="6" name="Object 5">
-            <a:extLst>
-              <a:ext uri="{FF2B5EF4-FFF2-40B4-BE49-F238E27FC236}">
-                <a16:creationId xmlns:a16="http://schemas.microsoft.com/office/drawing/2014/main" id="{84C196B0-81D5-4A2C-91C1-36D75698C564}"/>
-              </a:ext>
-            </a:extLst>
-          </p:cNvPr>
-          <p:cNvGraphicFramePr>
-            <a:graphicFrameLocks noChangeAspect="1"/>
-          </p:cNvGraphicFramePr>
-          <p:nvPr>
-            <p:extLst>
-              <p:ext uri="{D42A27DB-BD31-4B8C-83A1-F6EECF244321}">
-                <p14:modId xmlns:p14="http://schemas.microsoft.com/office/powerpoint/2010/main" val="1686338952"/>
-              </p:ext>
-            </p:extLst>
-          </p:nvPr>
-        </p:nvGraphicFramePr>
-        <p:xfrm>
-          <a:off x="6987925" y="4689474"/>
-          <a:ext cx="2009709" cy="749299"/>
-        </p:xfrm>
-        <a:graphic>
-          <a:graphicData uri="http://schemas.openxmlformats.org/presentationml/2006/ole">
-            <mc:AlternateContent xmlns:mc="http://schemas.openxmlformats.org/markup-compatibility/2006">
-              <mc:Choice xmlns:v="urn:schemas-microsoft-com:vml" Requires="v">
-                <p:oleObj spid="_x0000_s5122" name="Packager Shell Object" showAsIcon="1" r:id="rId3" imgW="1286280" imgH="478800" progId="Package">
-                  <p:embed/>
-                </p:oleObj>
-              </mc:Choice>
-              <mc:Fallback>
-                <p:oleObj name="Packager Shell Object" showAsIcon="1" r:id="rId3" imgW="1286280" imgH="478800" progId="Package">
-                  <p:embed/>
-                  <p:pic>
-                    <p:nvPicPr>
-                      <p:cNvPr id="0" name=""/>
-                      <p:cNvPicPr/>
-                      <p:nvPr/>
-                    </p:nvPicPr>
-                    <p:blipFill>
-                      <a:blip r:embed="rId4"/>
-                      <a:stretch>
-                        <a:fillRect/>
-                      </a:stretch>
-                    </p:blipFill>
-                    <p:spPr>
-                      <a:xfrm>
-                        <a:off x="6987925" y="4689474"/>
-                        <a:ext cx="2009709" cy="749299"/>
-                      </a:xfrm>
-                      <a:prstGeom prst="rect">
-                        <a:avLst/>
-                      </a:prstGeom>
-                    </p:spPr>
-                  </p:pic>
-                </p:oleObj>
-              </mc:Fallback>
-            </mc:AlternateContent>
-          </a:graphicData>
-        </a:graphic>
-      </p:graphicFrame>
-      <p:graphicFrame>
-        <p:nvGraphicFramePr>
-          <p:cNvPr id="7" name="Object 6">
-            <a:extLst>
-              <a:ext uri="{FF2B5EF4-FFF2-40B4-BE49-F238E27FC236}">
-                <a16:creationId xmlns:a16="http://schemas.microsoft.com/office/drawing/2014/main" id="{B0DFA0CF-8365-4F86-85A7-EF25266EB5F3}"/>
-              </a:ext>
-            </a:extLst>
-          </p:cNvPr>
-          <p:cNvGraphicFramePr>
-            <a:graphicFrameLocks noChangeAspect="1"/>
-          </p:cNvGraphicFramePr>
-          <p:nvPr>
-            <p:extLst>
-              <p:ext uri="{D42A27DB-BD31-4B8C-83A1-F6EECF244321}">
-                <p14:modId xmlns:p14="http://schemas.microsoft.com/office/powerpoint/2010/main" val="661245099"/>
-              </p:ext>
-            </p:extLst>
-          </p:nvPr>
-        </p:nvGraphicFramePr>
-        <p:xfrm>
-          <a:off x="3502025" y="4689474"/>
-          <a:ext cx="1702052" cy="749300"/>
-        </p:xfrm>
-        <a:graphic>
-          <a:graphicData uri="http://schemas.openxmlformats.org/presentationml/2006/ole">
-            <mc:AlternateContent xmlns:mc="http://schemas.openxmlformats.org/markup-compatibility/2006">
-              <mc:Choice xmlns:v="urn:schemas-microsoft-com:vml" Requires="v">
-                <p:oleObj spid="_x0000_s5123" name="Packager Shell Object" showAsIcon="1" r:id="rId5" imgW="1089360" imgH="478800" progId="Package">
-                  <p:embed/>
-                </p:oleObj>
-              </mc:Choice>
-              <mc:Fallback>
-                <p:oleObj name="Packager Shell Object" showAsIcon="1" r:id="rId5" imgW="1089360" imgH="478800" progId="Package">
-                  <p:embed/>
-                  <p:pic>
-                    <p:nvPicPr>
-                      <p:cNvPr id="0" name=""/>
-                      <p:cNvPicPr/>
-                      <p:nvPr/>
-                    </p:nvPicPr>
-                    <p:blipFill>
-                      <a:blip r:embed="rId6"/>
-                      <a:stretch>
-                        <a:fillRect/>
-                      </a:stretch>
-                    </p:blipFill>
-                    <p:spPr>
-                      <a:xfrm>
-                        <a:off x="3502025" y="4689474"/>
-                        <a:ext cx="1702052" cy="749300"/>
-                      </a:xfrm>
-                      <a:prstGeom prst="rect">
-                        <a:avLst/>
-                      </a:prstGeom>
-                    </p:spPr>
-                  </p:pic>
-                </p:oleObj>
-              </mc:Fallback>
-            </mc:AlternateContent>
-          </a:graphicData>
-        </a:graphic>
-      </p:graphicFrame>
-    </p:spTree>
-    <p:extLst>
-      <p:ext uri="{BB962C8B-B14F-4D97-AF65-F5344CB8AC3E}">
-        <p14:creationId xmlns:p14="http://schemas.microsoft.com/office/powerpoint/2010/main" val="1266578303"/>
       </p:ext>
     </p:extLst>
   </p:cSld>
